--- a/카페를 방랑하는 카공족을 위한 안내서.pptx
+++ b/카페를 방랑하는 카공족을 위한 안내서.pptx
@@ -263,7 +263,7 @@
           <a:p>
             <a:fld id="{39F3BBBB-9D68-4BC1-A7E3-76885AE8F234}" type="datetimeFigureOut">
               <a:rPr lang="ko-KR" altLang="en-US" smtClean="0"/>
-              <a:t>2023-04-07</a:t>
+              <a:t>2023-04-08</a:t>
             </a:fld>
             <a:endParaRPr lang="ko-KR" altLang="en-US"/>
           </a:p>
@@ -461,7 +461,7 @@
           <a:p>
             <a:fld id="{39F3BBBB-9D68-4BC1-A7E3-76885AE8F234}" type="datetimeFigureOut">
               <a:rPr lang="ko-KR" altLang="en-US" smtClean="0"/>
-              <a:t>2023-04-07</a:t>
+              <a:t>2023-04-08</a:t>
             </a:fld>
             <a:endParaRPr lang="ko-KR" altLang="en-US"/>
           </a:p>
@@ -669,7 +669,7 @@
           <a:p>
             <a:fld id="{39F3BBBB-9D68-4BC1-A7E3-76885AE8F234}" type="datetimeFigureOut">
               <a:rPr lang="ko-KR" altLang="en-US" smtClean="0"/>
-              <a:t>2023-04-07</a:t>
+              <a:t>2023-04-08</a:t>
             </a:fld>
             <a:endParaRPr lang="ko-KR" altLang="en-US"/>
           </a:p>
@@ -867,7 +867,7 @@
           <a:p>
             <a:fld id="{39F3BBBB-9D68-4BC1-A7E3-76885AE8F234}" type="datetimeFigureOut">
               <a:rPr lang="ko-KR" altLang="en-US" smtClean="0"/>
-              <a:t>2023-04-07</a:t>
+              <a:t>2023-04-08</a:t>
             </a:fld>
             <a:endParaRPr lang="ko-KR" altLang="en-US"/>
           </a:p>
@@ -1142,7 +1142,7 @@
           <a:p>
             <a:fld id="{39F3BBBB-9D68-4BC1-A7E3-76885AE8F234}" type="datetimeFigureOut">
               <a:rPr lang="ko-KR" altLang="en-US" smtClean="0"/>
-              <a:t>2023-04-07</a:t>
+              <a:t>2023-04-08</a:t>
             </a:fld>
             <a:endParaRPr lang="ko-KR" altLang="en-US"/>
           </a:p>
@@ -1407,7 +1407,7 @@
           <a:p>
             <a:fld id="{39F3BBBB-9D68-4BC1-A7E3-76885AE8F234}" type="datetimeFigureOut">
               <a:rPr lang="ko-KR" altLang="en-US" smtClean="0"/>
-              <a:t>2023-04-07</a:t>
+              <a:t>2023-04-08</a:t>
             </a:fld>
             <a:endParaRPr lang="ko-KR" altLang="en-US"/>
           </a:p>
@@ -1819,7 +1819,7 @@
           <a:p>
             <a:fld id="{39F3BBBB-9D68-4BC1-A7E3-76885AE8F234}" type="datetimeFigureOut">
               <a:rPr lang="ko-KR" altLang="en-US" smtClean="0"/>
-              <a:t>2023-04-07</a:t>
+              <a:t>2023-04-08</a:t>
             </a:fld>
             <a:endParaRPr lang="ko-KR" altLang="en-US"/>
           </a:p>
@@ -1960,7 +1960,7 @@
           <a:p>
             <a:fld id="{39F3BBBB-9D68-4BC1-A7E3-76885AE8F234}" type="datetimeFigureOut">
               <a:rPr lang="ko-KR" altLang="en-US" smtClean="0"/>
-              <a:t>2023-04-07</a:t>
+              <a:t>2023-04-08</a:t>
             </a:fld>
             <a:endParaRPr lang="ko-KR" altLang="en-US"/>
           </a:p>
@@ -2073,7 +2073,7 @@
           <a:p>
             <a:fld id="{39F3BBBB-9D68-4BC1-A7E3-76885AE8F234}" type="datetimeFigureOut">
               <a:rPr lang="ko-KR" altLang="en-US" smtClean="0"/>
-              <a:t>2023-04-07</a:t>
+              <a:t>2023-04-08</a:t>
             </a:fld>
             <a:endParaRPr lang="ko-KR" altLang="en-US"/>
           </a:p>
@@ -2384,7 +2384,7 @@
           <a:p>
             <a:fld id="{39F3BBBB-9D68-4BC1-A7E3-76885AE8F234}" type="datetimeFigureOut">
               <a:rPr lang="ko-KR" altLang="en-US" smtClean="0"/>
-              <a:t>2023-04-07</a:t>
+              <a:t>2023-04-08</a:t>
             </a:fld>
             <a:endParaRPr lang="ko-KR" altLang="en-US"/>
           </a:p>
@@ -2672,7 +2672,7 @@
           <a:p>
             <a:fld id="{39F3BBBB-9D68-4BC1-A7E3-76885AE8F234}" type="datetimeFigureOut">
               <a:rPr lang="ko-KR" altLang="en-US" smtClean="0"/>
-              <a:t>2023-04-07</a:t>
+              <a:t>2023-04-08</a:t>
             </a:fld>
             <a:endParaRPr lang="ko-KR" altLang="en-US"/>
           </a:p>
@@ -2913,7 +2913,7 @@
           <a:p>
             <a:fld id="{39F3BBBB-9D68-4BC1-A7E3-76885AE8F234}" type="datetimeFigureOut">
               <a:rPr lang="ko-KR" altLang="en-US" smtClean="0"/>
-              <a:t>2023-04-07</a:t>
+              <a:t>2023-04-08</a:t>
             </a:fld>
             <a:endParaRPr lang="ko-KR" altLang="en-US"/>
           </a:p>
@@ -3865,7 +3865,7 @@
         <p:spPr>
           <a:xfrm>
             <a:off x="1064029" y="914400"/>
-            <a:ext cx="12909303" cy="4801314"/>
+            <a:ext cx="12909303" cy="5355312"/>
           </a:xfrm>
           <a:prstGeom prst="rect">
             <a:avLst/>
@@ -3881,6 +3881,16 @@
             <a:r>
               <a:rPr lang="ko-KR" altLang="en-US" dirty="0"/>
               <a:t>기능명세</a:t>
+            </a:r>
+            <a:endParaRPr lang="en-US" altLang="ko-KR" dirty="0"/>
+          </a:p>
+          <a:p>
+            <a:endParaRPr lang="en-US" altLang="ko-KR" dirty="0"/>
+          </a:p>
+          <a:p>
+            <a:r>
+              <a:rPr lang="ko-KR" altLang="en-US" dirty="0"/>
+              <a:t>네이버 지도 띄우기</a:t>
             </a:r>
             <a:endParaRPr lang="en-US" altLang="ko-KR" dirty="0"/>
           </a:p>
@@ -5946,7 +5956,7 @@
         <p:spPr>
           <a:xfrm>
             <a:off x="432261" y="457200"/>
-            <a:ext cx="21900547" cy="5170646"/>
+            <a:ext cx="21900547" cy="6647974"/>
           </a:xfrm>
           <a:prstGeom prst="rect">
             <a:avLst/>
@@ -6773,7 +6783,91 @@
             <a:endParaRPr lang="en-US" altLang="ko-KR" dirty="0"/>
           </a:p>
           <a:p>
+            <a:r>
+              <a:rPr lang="ko-KR" altLang="en-US" dirty="0" err="1"/>
+              <a:t>고덕역</a:t>
+            </a:r>
+            <a:r>
+              <a:rPr lang="ko-KR" altLang="en-US" dirty="0"/>
+              <a:t> </a:t>
+            </a:r>
+            <a:r>
+              <a:rPr lang="ko-KR" altLang="en-US" dirty="0" err="1"/>
+              <a:t>투썸</a:t>
+            </a:r>
             <a:endParaRPr lang="en-US" altLang="ko-KR" dirty="0"/>
+          </a:p>
+          <a:p>
+            <a:r>
+              <a:rPr lang="ko-KR" altLang="en-US" dirty="0"/>
+              <a:t>대형</a:t>
+            </a:r>
+            <a:endParaRPr lang="en-US" altLang="ko-KR" dirty="0"/>
+          </a:p>
+          <a:p>
+            <a:r>
+              <a:rPr lang="ko-KR" altLang="en-US" dirty="0"/>
+              <a:t>단층</a:t>
+            </a:r>
+            <a:endParaRPr lang="en-US" altLang="ko-KR" dirty="0"/>
+          </a:p>
+          <a:p>
+            <a:r>
+              <a:rPr lang="ko-KR" altLang="en-US" dirty="0"/>
+              <a:t>콘센트 많은 편 </a:t>
+            </a:r>
+            <a:r>
+              <a:rPr lang="en-US" altLang="ko-KR" dirty="0"/>
+              <a:t>(</a:t>
+            </a:r>
+            <a:r>
+              <a:rPr lang="ko-KR" altLang="en-US" dirty="0"/>
+              <a:t>사이드 좌석 거의 있음</a:t>
+            </a:r>
+            <a:r>
+              <a:rPr lang="en-US" altLang="ko-KR" dirty="0"/>
+              <a:t>)</a:t>
+            </a:r>
+          </a:p>
+          <a:p>
+            <a:r>
+              <a:rPr lang="ko-KR" altLang="en-US" dirty="0"/>
+              <a:t>테이블 크기 혼자 쓰기에 충분</a:t>
+            </a:r>
+            <a:endParaRPr lang="en-US" altLang="ko-KR" dirty="0"/>
+          </a:p>
+          <a:p>
+            <a:r>
+              <a:rPr lang="ko-KR" altLang="en-US" dirty="0"/>
+              <a:t>와이파이</a:t>
+            </a:r>
+            <a:endParaRPr lang="en-US" altLang="ko-KR" dirty="0"/>
+          </a:p>
+          <a:p>
+            <a:r>
+              <a:rPr lang="ko-KR" altLang="en-US" dirty="0"/>
+              <a:t>매장에서 제공하는 와이파이 </a:t>
+            </a:r>
+            <a:r>
+              <a:rPr lang="en-US" altLang="ko-KR" dirty="0"/>
+              <a:t>3</a:t>
+            </a:r>
+            <a:r>
+              <a:rPr lang="ko-KR" altLang="en-US" dirty="0"/>
+              <a:t>개 있지만 전부 인터넷 안 됨</a:t>
+            </a:r>
+            <a:r>
+              <a:rPr lang="en-US" altLang="ko-KR" dirty="0"/>
+              <a:t>.. SEOUL </a:t>
+            </a:r>
+            <a:r>
+              <a:rPr lang="ko-KR" altLang="en-US" dirty="0"/>
+              <a:t>이라는 서울시 공공 와이파이가 그나마 잡혀서 사용가능</a:t>
+            </a:r>
+            <a:r>
+              <a:rPr lang="en-US" altLang="ko-KR" dirty="0"/>
+              <a:t>..</a:t>
+            </a:r>
           </a:p>
           <a:p>
             <a:endParaRPr lang="en-US" altLang="ko-KR" dirty="0"/>

--- a/카페를 방랑하는 카공족을 위한 안내서.pptx
+++ b/카페를 방랑하는 카공족을 위한 안내서.pptx
@@ -263,7 +263,7 @@
           <a:p>
             <a:fld id="{39F3BBBB-9D68-4BC1-A7E3-76885AE8F234}" type="datetimeFigureOut">
               <a:rPr lang="ko-KR" altLang="en-US" smtClean="0"/>
-              <a:t>2023-04-08</a:t>
+              <a:t>2023-04-09</a:t>
             </a:fld>
             <a:endParaRPr lang="ko-KR" altLang="en-US"/>
           </a:p>
@@ -461,7 +461,7 @@
           <a:p>
             <a:fld id="{39F3BBBB-9D68-4BC1-A7E3-76885AE8F234}" type="datetimeFigureOut">
               <a:rPr lang="ko-KR" altLang="en-US" smtClean="0"/>
-              <a:t>2023-04-08</a:t>
+              <a:t>2023-04-09</a:t>
             </a:fld>
             <a:endParaRPr lang="ko-KR" altLang="en-US"/>
           </a:p>
@@ -669,7 +669,7 @@
           <a:p>
             <a:fld id="{39F3BBBB-9D68-4BC1-A7E3-76885AE8F234}" type="datetimeFigureOut">
               <a:rPr lang="ko-KR" altLang="en-US" smtClean="0"/>
-              <a:t>2023-04-08</a:t>
+              <a:t>2023-04-09</a:t>
             </a:fld>
             <a:endParaRPr lang="ko-KR" altLang="en-US"/>
           </a:p>
@@ -867,7 +867,7 @@
           <a:p>
             <a:fld id="{39F3BBBB-9D68-4BC1-A7E3-76885AE8F234}" type="datetimeFigureOut">
               <a:rPr lang="ko-KR" altLang="en-US" smtClean="0"/>
-              <a:t>2023-04-08</a:t>
+              <a:t>2023-04-09</a:t>
             </a:fld>
             <a:endParaRPr lang="ko-KR" altLang="en-US"/>
           </a:p>
@@ -1142,7 +1142,7 @@
           <a:p>
             <a:fld id="{39F3BBBB-9D68-4BC1-A7E3-76885AE8F234}" type="datetimeFigureOut">
               <a:rPr lang="ko-KR" altLang="en-US" smtClean="0"/>
-              <a:t>2023-04-08</a:t>
+              <a:t>2023-04-09</a:t>
             </a:fld>
             <a:endParaRPr lang="ko-KR" altLang="en-US"/>
           </a:p>
@@ -1407,7 +1407,7 @@
           <a:p>
             <a:fld id="{39F3BBBB-9D68-4BC1-A7E3-76885AE8F234}" type="datetimeFigureOut">
               <a:rPr lang="ko-KR" altLang="en-US" smtClean="0"/>
-              <a:t>2023-04-08</a:t>
+              <a:t>2023-04-09</a:t>
             </a:fld>
             <a:endParaRPr lang="ko-KR" altLang="en-US"/>
           </a:p>
@@ -1819,7 +1819,7 @@
           <a:p>
             <a:fld id="{39F3BBBB-9D68-4BC1-A7E3-76885AE8F234}" type="datetimeFigureOut">
               <a:rPr lang="ko-KR" altLang="en-US" smtClean="0"/>
-              <a:t>2023-04-08</a:t>
+              <a:t>2023-04-09</a:t>
             </a:fld>
             <a:endParaRPr lang="ko-KR" altLang="en-US"/>
           </a:p>
@@ -1960,7 +1960,7 @@
           <a:p>
             <a:fld id="{39F3BBBB-9D68-4BC1-A7E3-76885AE8F234}" type="datetimeFigureOut">
               <a:rPr lang="ko-KR" altLang="en-US" smtClean="0"/>
-              <a:t>2023-04-08</a:t>
+              <a:t>2023-04-09</a:t>
             </a:fld>
             <a:endParaRPr lang="ko-KR" altLang="en-US"/>
           </a:p>
@@ -2073,7 +2073,7 @@
           <a:p>
             <a:fld id="{39F3BBBB-9D68-4BC1-A7E3-76885AE8F234}" type="datetimeFigureOut">
               <a:rPr lang="ko-KR" altLang="en-US" smtClean="0"/>
-              <a:t>2023-04-08</a:t>
+              <a:t>2023-04-09</a:t>
             </a:fld>
             <a:endParaRPr lang="ko-KR" altLang="en-US"/>
           </a:p>
@@ -2384,7 +2384,7 @@
           <a:p>
             <a:fld id="{39F3BBBB-9D68-4BC1-A7E3-76885AE8F234}" type="datetimeFigureOut">
               <a:rPr lang="ko-KR" altLang="en-US" smtClean="0"/>
-              <a:t>2023-04-08</a:t>
+              <a:t>2023-04-09</a:t>
             </a:fld>
             <a:endParaRPr lang="ko-KR" altLang="en-US"/>
           </a:p>
@@ -2672,7 +2672,7 @@
           <a:p>
             <a:fld id="{39F3BBBB-9D68-4BC1-A7E3-76885AE8F234}" type="datetimeFigureOut">
               <a:rPr lang="ko-KR" altLang="en-US" smtClean="0"/>
-              <a:t>2023-04-08</a:t>
+              <a:t>2023-04-09</a:t>
             </a:fld>
             <a:endParaRPr lang="ko-KR" altLang="en-US"/>
           </a:p>
@@ -2913,7 +2913,7 @@
           <a:p>
             <a:fld id="{39F3BBBB-9D68-4BC1-A7E3-76885AE8F234}" type="datetimeFigureOut">
               <a:rPr lang="ko-KR" altLang="en-US" smtClean="0"/>
-              <a:t>2023-04-08</a:t>
+              <a:t>2023-04-09</a:t>
             </a:fld>
             <a:endParaRPr lang="ko-KR" altLang="en-US"/>
           </a:p>
@@ -6919,7 +6919,7 @@
         <p:spPr>
           <a:xfrm>
             <a:off x="1463040" y="1147156"/>
-            <a:ext cx="1346844" cy="369332"/>
+            <a:ext cx="764953" cy="1754326"/>
           </a:xfrm>
           <a:prstGeom prst="rect">
             <a:avLst/>
@@ -6934,9 +6934,41 @@
           <a:p>
             <a:r>
               <a:rPr lang="en-US" altLang="ko-KR" dirty="0"/>
-              <a:t>CAFÉ_INFO</a:t>
-            </a:r>
-            <a:endParaRPr lang="ko-KR" altLang="en-US" dirty="0"/>
+              <a:t>cafe</a:t>
+            </a:r>
+          </a:p>
+          <a:p>
+            <a:r>
+              <a:rPr lang="en-US" altLang="ko-KR" dirty="0"/>
+              <a:t>Id</a:t>
+            </a:r>
+          </a:p>
+          <a:p>
+            <a:r>
+              <a:rPr lang="en-US" altLang="ko-KR" dirty="0"/>
+              <a:t>name</a:t>
+            </a:r>
+          </a:p>
+          <a:p>
+            <a:r>
+              <a:rPr lang="en-US" altLang="ko-KR" dirty="0" err="1"/>
+              <a:t>jijum</a:t>
+            </a:r>
+            <a:endParaRPr lang="en-US" altLang="ko-KR" dirty="0"/>
+          </a:p>
+          <a:p>
+            <a:r>
+              <a:rPr lang="en-US" altLang="ko-KR" dirty="0" err="1"/>
+              <a:t>lat</a:t>
+            </a:r>
+            <a:endParaRPr lang="en-US" altLang="ko-KR" dirty="0"/>
+          </a:p>
+          <a:p>
+            <a:r>
+              <a:rPr lang="en-US" altLang="ko-KR" dirty="0" err="1"/>
+              <a:t>lng</a:t>
+            </a:r>
+            <a:endParaRPr lang="en-US" altLang="ko-KR" dirty="0"/>
           </a:p>
         </p:txBody>
       </p:sp>
@@ -6955,7 +6987,7 @@
         <p:spPr>
           <a:xfrm>
             <a:off x="4289367" y="1288473"/>
-            <a:ext cx="1624419" cy="369332"/>
+            <a:ext cx="848246" cy="369332"/>
           </a:xfrm>
           <a:prstGeom prst="rect">
             <a:avLst/>
@@ -6970,7 +7002,7 @@
           <a:p>
             <a:r>
               <a:rPr lang="en-US" altLang="ko-KR" dirty="0"/>
-              <a:t>CAFÉ_REVIEW</a:t>
+              <a:t>review</a:t>
             </a:r>
             <a:endParaRPr lang="ko-KR" altLang="en-US" dirty="0"/>
           </a:p>

--- a/카페를 방랑하는 카공족을 위한 안내서.pptx
+++ b/카페를 방랑하는 카공족을 위한 안내서.pptx
@@ -263,7 +263,7 @@
           <a:p>
             <a:fld id="{39F3BBBB-9D68-4BC1-A7E3-76885AE8F234}" type="datetimeFigureOut">
               <a:rPr lang="ko-KR" altLang="en-US" smtClean="0"/>
-              <a:t>2023-04-09</a:t>
+              <a:t>2023-04-10</a:t>
             </a:fld>
             <a:endParaRPr lang="ko-KR" altLang="en-US"/>
           </a:p>
@@ -461,7 +461,7 @@
           <a:p>
             <a:fld id="{39F3BBBB-9D68-4BC1-A7E3-76885AE8F234}" type="datetimeFigureOut">
               <a:rPr lang="ko-KR" altLang="en-US" smtClean="0"/>
-              <a:t>2023-04-09</a:t>
+              <a:t>2023-04-10</a:t>
             </a:fld>
             <a:endParaRPr lang="ko-KR" altLang="en-US"/>
           </a:p>
@@ -669,7 +669,7 @@
           <a:p>
             <a:fld id="{39F3BBBB-9D68-4BC1-A7E3-76885AE8F234}" type="datetimeFigureOut">
               <a:rPr lang="ko-KR" altLang="en-US" smtClean="0"/>
-              <a:t>2023-04-09</a:t>
+              <a:t>2023-04-10</a:t>
             </a:fld>
             <a:endParaRPr lang="ko-KR" altLang="en-US"/>
           </a:p>
@@ -867,7 +867,7 @@
           <a:p>
             <a:fld id="{39F3BBBB-9D68-4BC1-A7E3-76885AE8F234}" type="datetimeFigureOut">
               <a:rPr lang="ko-KR" altLang="en-US" smtClean="0"/>
-              <a:t>2023-04-09</a:t>
+              <a:t>2023-04-10</a:t>
             </a:fld>
             <a:endParaRPr lang="ko-KR" altLang="en-US"/>
           </a:p>
@@ -1142,7 +1142,7 @@
           <a:p>
             <a:fld id="{39F3BBBB-9D68-4BC1-A7E3-76885AE8F234}" type="datetimeFigureOut">
               <a:rPr lang="ko-KR" altLang="en-US" smtClean="0"/>
-              <a:t>2023-04-09</a:t>
+              <a:t>2023-04-10</a:t>
             </a:fld>
             <a:endParaRPr lang="ko-KR" altLang="en-US"/>
           </a:p>
@@ -1407,7 +1407,7 @@
           <a:p>
             <a:fld id="{39F3BBBB-9D68-4BC1-A7E3-76885AE8F234}" type="datetimeFigureOut">
               <a:rPr lang="ko-KR" altLang="en-US" smtClean="0"/>
-              <a:t>2023-04-09</a:t>
+              <a:t>2023-04-10</a:t>
             </a:fld>
             <a:endParaRPr lang="ko-KR" altLang="en-US"/>
           </a:p>
@@ -1819,7 +1819,7 @@
           <a:p>
             <a:fld id="{39F3BBBB-9D68-4BC1-A7E3-76885AE8F234}" type="datetimeFigureOut">
               <a:rPr lang="ko-KR" altLang="en-US" smtClean="0"/>
-              <a:t>2023-04-09</a:t>
+              <a:t>2023-04-10</a:t>
             </a:fld>
             <a:endParaRPr lang="ko-KR" altLang="en-US"/>
           </a:p>
@@ -1960,7 +1960,7 @@
           <a:p>
             <a:fld id="{39F3BBBB-9D68-4BC1-A7E3-76885AE8F234}" type="datetimeFigureOut">
               <a:rPr lang="ko-KR" altLang="en-US" smtClean="0"/>
-              <a:t>2023-04-09</a:t>
+              <a:t>2023-04-10</a:t>
             </a:fld>
             <a:endParaRPr lang="ko-KR" altLang="en-US"/>
           </a:p>
@@ -2073,7 +2073,7 @@
           <a:p>
             <a:fld id="{39F3BBBB-9D68-4BC1-A7E3-76885AE8F234}" type="datetimeFigureOut">
               <a:rPr lang="ko-KR" altLang="en-US" smtClean="0"/>
-              <a:t>2023-04-09</a:t>
+              <a:t>2023-04-10</a:t>
             </a:fld>
             <a:endParaRPr lang="ko-KR" altLang="en-US"/>
           </a:p>
@@ -2384,7 +2384,7 @@
           <a:p>
             <a:fld id="{39F3BBBB-9D68-4BC1-A7E3-76885AE8F234}" type="datetimeFigureOut">
               <a:rPr lang="ko-KR" altLang="en-US" smtClean="0"/>
-              <a:t>2023-04-09</a:t>
+              <a:t>2023-04-10</a:t>
             </a:fld>
             <a:endParaRPr lang="ko-KR" altLang="en-US"/>
           </a:p>
@@ -2672,7 +2672,7 @@
           <a:p>
             <a:fld id="{39F3BBBB-9D68-4BC1-A7E3-76885AE8F234}" type="datetimeFigureOut">
               <a:rPr lang="ko-KR" altLang="en-US" smtClean="0"/>
-              <a:t>2023-04-09</a:t>
+              <a:t>2023-04-10</a:t>
             </a:fld>
             <a:endParaRPr lang="ko-KR" altLang="en-US"/>
           </a:p>
@@ -2913,7 +2913,7 @@
           <a:p>
             <a:fld id="{39F3BBBB-9D68-4BC1-A7E3-76885AE8F234}" type="datetimeFigureOut">
               <a:rPr lang="ko-KR" altLang="en-US" smtClean="0"/>
-              <a:t>2023-04-09</a:t>
+              <a:t>2023-04-10</a:t>
             </a:fld>
             <a:endParaRPr lang="ko-KR" altLang="en-US"/>
           </a:p>
@@ -6695,7 +6695,7 @@
                   </a:schemeClr>
                 </a:solidFill>
               </a:rPr>
-              <a:t>혼잡도 </a:t>
+              <a:t>피크타임 혼잡도 </a:t>
             </a:r>
             <a:r>
               <a:rPr lang="en-US" altLang="ko-KR" sz="1200" dirty="0">

--- a/카페를 방랑하는 카공족을 위한 안내서.pptx
+++ b/카페를 방랑하는 카공족을 위한 안내서.pptx
@@ -263,7 +263,7 @@
           <a:p>
             <a:fld id="{39F3BBBB-9D68-4BC1-A7E3-76885AE8F234}" type="datetimeFigureOut">
               <a:rPr lang="ko-KR" altLang="en-US" smtClean="0"/>
-              <a:t>2023-04-10</a:t>
+              <a:t>2023-04-26</a:t>
             </a:fld>
             <a:endParaRPr lang="ko-KR" altLang="en-US"/>
           </a:p>
@@ -461,7 +461,7 @@
           <a:p>
             <a:fld id="{39F3BBBB-9D68-4BC1-A7E3-76885AE8F234}" type="datetimeFigureOut">
               <a:rPr lang="ko-KR" altLang="en-US" smtClean="0"/>
-              <a:t>2023-04-10</a:t>
+              <a:t>2023-04-26</a:t>
             </a:fld>
             <a:endParaRPr lang="ko-KR" altLang="en-US"/>
           </a:p>
@@ -669,7 +669,7 @@
           <a:p>
             <a:fld id="{39F3BBBB-9D68-4BC1-A7E3-76885AE8F234}" type="datetimeFigureOut">
               <a:rPr lang="ko-KR" altLang="en-US" smtClean="0"/>
-              <a:t>2023-04-10</a:t>
+              <a:t>2023-04-26</a:t>
             </a:fld>
             <a:endParaRPr lang="ko-KR" altLang="en-US"/>
           </a:p>
@@ -867,7 +867,7 @@
           <a:p>
             <a:fld id="{39F3BBBB-9D68-4BC1-A7E3-76885AE8F234}" type="datetimeFigureOut">
               <a:rPr lang="ko-KR" altLang="en-US" smtClean="0"/>
-              <a:t>2023-04-10</a:t>
+              <a:t>2023-04-26</a:t>
             </a:fld>
             <a:endParaRPr lang="ko-KR" altLang="en-US"/>
           </a:p>
@@ -1142,7 +1142,7 @@
           <a:p>
             <a:fld id="{39F3BBBB-9D68-4BC1-A7E3-76885AE8F234}" type="datetimeFigureOut">
               <a:rPr lang="ko-KR" altLang="en-US" smtClean="0"/>
-              <a:t>2023-04-10</a:t>
+              <a:t>2023-04-26</a:t>
             </a:fld>
             <a:endParaRPr lang="ko-KR" altLang="en-US"/>
           </a:p>
@@ -1407,7 +1407,7 @@
           <a:p>
             <a:fld id="{39F3BBBB-9D68-4BC1-A7E3-76885AE8F234}" type="datetimeFigureOut">
               <a:rPr lang="ko-KR" altLang="en-US" smtClean="0"/>
-              <a:t>2023-04-10</a:t>
+              <a:t>2023-04-26</a:t>
             </a:fld>
             <a:endParaRPr lang="ko-KR" altLang="en-US"/>
           </a:p>
@@ -1819,7 +1819,7 @@
           <a:p>
             <a:fld id="{39F3BBBB-9D68-4BC1-A7E3-76885AE8F234}" type="datetimeFigureOut">
               <a:rPr lang="ko-KR" altLang="en-US" smtClean="0"/>
-              <a:t>2023-04-10</a:t>
+              <a:t>2023-04-26</a:t>
             </a:fld>
             <a:endParaRPr lang="ko-KR" altLang="en-US"/>
           </a:p>
@@ -1960,7 +1960,7 @@
           <a:p>
             <a:fld id="{39F3BBBB-9D68-4BC1-A7E3-76885AE8F234}" type="datetimeFigureOut">
               <a:rPr lang="ko-KR" altLang="en-US" smtClean="0"/>
-              <a:t>2023-04-10</a:t>
+              <a:t>2023-04-26</a:t>
             </a:fld>
             <a:endParaRPr lang="ko-KR" altLang="en-US"/>
           </a:p>
@@ -2073,7 +2073,7 @@
           <a:p>
             <a:fld id="{39F3BBBB-9D68-4BC1-A7E3-76885AE8F234}" type="datetimeFigureOut">
               <a:rPr lang="ko-KR" altLang="en-US" smtClean="0"/>
-              <a:t>2023-04-10</a:t>
+              <a:t>2023-04-26</a:t>
             </a:fld>
             <a:endParaRPr lang="ko-KR" altLang="en-US"/>
           </a:p>
@@ -2384,7 +2384,7 @@
           <a:p>
             <a:fld id="{39F3BBBB-9D68-4BC1-A7E3-76885AE8F234}" type="datetimeFigureOut">
               <a:rPr lang="ko-KR" altLang="en-US" smtClean="0"/>
-              <a:t>2023-04-10</a:t>
+              <a:t>2023-04-26</a:t>
             </a:fld>
             <a:endParaRPr lang="ko-KR" altLang="en-US"/>
           </a:p>
@@ -2672,7 +2672,7 @@
           <a:p>
             <a:fld id="{39F3BBBB-9D68-4BC1-A7E3-76885AE8F234}" type="datetimeFigureOut">
               <a:rPr lang="ko-KR" altLang="en-US" smtClean="0"/>
-              <a:t>2023-04-10</a:t>
+              <a:t>2023-04-26</a:t>
             </a:fld>
             <a:endParaRPr lang="ko-KR" altLang="en-US"/>
           </a:p>
@@ -2913,7 +2913,7 @@
           <a:p>
             <a:fld id="{39F3BBBB-9D68-4BC1-A7E3-76885AE8F234}" type="datetimeFigureOut">
               <a:rPr lang="ko-KR" altLang="en-US" smtClean="0"/>
-              <a:t>2023-04-10</a:t>
+              <a:t>2023-04-26</a:t>
             </a:fld>
             <a:endParaRPr lang="ko-KR" altLang="en-US"/>
           </a:p>
@@ -6919,7 +6919,7 @@
         <p:spPr>
           <a:xfrm>
             <a:off x="1463040" y="1147156"/>
-            <a:ext cx="764953" cy="1754326"/>
+            <a:ext cx="2244525" cy="2031325"/>
           </a:xfrm>
           <a:prstGeom prst="rect">
             <a:avLst/>
@@ -6933,15 +6933,24 @@
           <a:lstStyle/>
           <a:p>
             <a:r>
-              <a:rPr lang="en-US" altLang="ko-KR" dirty="0"/>
+              <a:rPr lang="en-US" altLang="ko-KR" b="1" dirty="0"/>
               <a:t>cafe</a:t>
             </a:r>
           </a:p>
           <a:p>
             <a:r>
-              <a:rPr lang="en-US" altLang="ko-KR" dirty="0"/>
-              <a:t>Id</a:t>
-            </a:r>
+              <a:rPr lang="en-US" altLang="ko-KR" dirty="0" err="1">
+                <a:highlight>
+                  <a:srgbClr val="FFFF00"/>
+                </a:highlight>
+              </a:rPr>
+              <a:t>Café_Id</a:t>
+            </a:r>
+            <a:endParaRPr lang="en-US" altLang="ko-KR" dirty="0">
+              <a:highlight>
+                <a:srgbClr val="FFFF00"/>
+              </a:highlight>
+            </a:endParaRPr>
           </a:p>
           <a:p>
             <a:r>
@@ -6966,9 +6975,15 @@
           <a:p>
             <a:r>
               <a:rPr lang="en-US" altLang="ko-KR" dirty="0" err="1"/>
-              <a:t>lng</a:t>
+              <a:t>Lng</a:t>
             </a:r>
             <a:endParaRPr lang="en-US" altLang="ko-KR" dirty="0"/>
+          </a:p>
+          <a:p>
+            <a:r>
+              <a:rPr lang="en-US" altLang="ko-KR" dirty="0"/>
+              <a:t>Status(open/closed)</a:t>
+            </a:r>
           </a:p>
         </p:txBody>
       </p:sp>
@@ -6986,8 +7001,8 @@
         </p:nvSpPr>
         <p:spPr>
           <a:xfrm>
-            <a:off x="4289367" y="1288473"/>
-            <a:ext cx="848246" cy="369332"/>
+            <a:off x="4319016" y="1321085"/>
+            <a:ext cx="1203599" cy="1477328"/>
           </a:xfrm>
           <a:prstGeom prst="rect">
             <a:avLst/>
@@ -7001,8 +7016,719 @@
           <a:lstStyle/>
           <a:p>
             <a:r>
+              <a:rPr lang="en-US" altLang="ko-KR" b="1" dirty="0"/>
+              <a:t>Review</a:t>
+            </a:r>
+          </a:p>
+          <a:p>
+            <a:r>
+              <a:rPr lang="en-US" altLang="ko-KR" dirty="0" err="1">
+                <a:highlight>
+                  <a:srgbClr val="FFFF00"/>
+                </a:highlight>
+              </a:rPr>
+              <a:t>Review_Id</a:t>
+            </a:r>
+            <a:endParaRPr lang="en-US" altLang="ko-KR" dirty="0">
+              <a:highlight>
+                <a:srgbClr val="FFFF00"/>
+              </a:highlight>
+            </a:endParaRPr>
+          </a:p>
+          <a:p>
+            <a:r>
+              <a:rPr lang="en-US" altLang="ko-KR" dirty="0" err="1"/>
+              <a:t>User_Id</a:t>
+            </a:r>
+            <a:endParaRPr lang="en-US" altLang="ko-KR" dirty="0"/>
+          </a:p>
+          <a:p>
+            <a:r>
+              <a:rPr lang="en-US" altLang="ko-KR" dirty="0" err="1"/>
+              <a:t>Café_id</a:t>
+            </a:r>
+            <a:endParaRPr lang="en-US" altLang="ko-KR" dirty="0"/>
+          </a:p>
+          <a:p>
+            <a:r>
               <a:rPr lang="en-US" altLang="ko-KR" dirty="0"/>
-              <a:t>review</a:t>
+              <a:t>Content</a:t>
+            </a:r>
+          </a:p>
+        </p:txBody>
+      </p:sp>
+      <p:sp>
+        <p:nvSpPr>
+          <p:cNvPr id="2" name="TextBox 1">
+            <a:extLst>
+              <a:ext uri="{FF2B5EF4-FFF2-40B4-BE49-F238E27FC236}">
+                <a16:creationId xmlns:a16="http://schemas.microsoft.com/office/drawing/2014/main" id="{3F044AF6-B150-F9BC-9F31-DB38DA2AE913}"/>
+              </a:ext>
+            </a:extLst>
+          </p:cNvPr>
+          <p:cNvSpPr txBox="1"/>
+          <p:nvPr/>
+        </p:nvSpPr>
+        <p:spPr>
+          <a:xfrm>
+            <a:off x="2948354" y="3927295"/>
+            <a:ext cx="2568332" cy="1754326"/>
+          </a:xfrm>
+          <a:prstGeom prst="rect">
+            <a:avLst/>
+          </a:prstGeom>
+          <a:noFill/>
+        </p:spPr>
+        <p:txBody>
+          <a:bodyPr wrap="none" rtlCol="0">
+            <a:spAutoFit/>
+          </a:bodyPr>
+          <a:lstStyle/>
+          <a:p>
+            <a:r>
+              <a:rPr lang="en-US" altLang="ko-KR" b="1" dirty="0"/>
+              <a:t>User</a:t>
+            </a:r>
+          </a:p>
+          <a:p>
+            <a:r>
+              <a:rPr lang="en-US" altLang="ko-KR" dirty="0" err="1">
+                <a:highlight>
+                  <a:srgbClr val="FFFF00"/>
+                </a:highlight>
+              </a:rPr>
+              <a:t>User_Id</a:t>
+            </a:r>
+            <a:endParaRPr lang="en-US" altLang="ko-KR" dirty="0">
+              <a:highlight>
+                <a:srgbClr val="FFFF00"/>
+              </a:highlight>
+            </a:endParaRPr>
+          </a:p>
+          <a:p>
+            <a:r>
+              <a:rPr lang="en-US" altLang="ko-KR" dirty="0" err="1"/>
+              <a:t>User_type</a:t>
+            </a:r>
+            <a:r>
+              <a:rPr lang="en-US" altLang="ko-KR" dirty="0"/>
+              <a:t>(admin, user)</a:t>
+            </a:r>
+          </a:p>
+          <a:p>
+            <a:r>
+              <a:rPr lang="en-US" altLang="ko-KR" dirty="0"/>
+              <a:t>PW</a:t>
+            </a:r>
+          </a:p>
+          <a:p>
+            <a:r>
+              <a:rPr lang="en-US" altLang="ko-KR" dirty="0"/>
+              <a:t>Authority(Write/Read)</a:t>
+            </a:r>
+          </a:p>
+          <a:p>
+            <a:endParaRPr lang="en-US" altLang="ko-KR" dirty="0"/>
+          </a:p>
+        </p:txBody>
+      </p:sp>
+      <p:cxnSp>
+        <p:nvCxnSpPr>
+          <p:cNvPr id="6" name="직선 연결선 5">
+            <a:extLst>
+              <a:ext uri="{FF2B5EF4-FFF2-40B4-BE49-F238E27FC236}">
+                <a16:creationId xmlns:a16="http://schemas.microsoft.com/office/drawing/2014/main" id="{D47F4B79-6B63-934F-704A-439DB96F2DB9}"/>
+              </a:ext>
+            </a:extLst>
+          </p:cNvPr>
+          <p:cNvCxnSpPr>
+            <a:stCxn id="4" idx="3"/>
+            <a:endCxn id="5" idx="1"/>
+          </p:cNvCxnSpPr>
+          <p:nvPr/>
+        </p:nvCxnSpPr>
+        <p:spPr>
+          <a:xfrm flipV="1">
+            <a:off x="3707565" y="2059749"/>
+            <a:ext cx="611451" cy="103070"/>
+          </a:xfrm>
+          <a:prstGeom prst="line">
+            <a:avLst/>
+          </a:prstGeom>
+        </p:spPr>
+        <p:style>
+          <a:lnRef idx="1">
+            <a:schemeClr val="dk1"/>
+          </a:lnRef>
+          <a:fillRef idx="0">
+            <a:schemeClr val="dk1"/>
+          </a:fillRef>
+          <a:effectRef idx="0">
+            <a:schemeClr val="dk1"/>
+          </a:effectRef>
+          <a:fontRef idx="minor">
+            <a:schemeClr val="tx1"/>
+          </a:fontRef>
+        </p:style>
+      </p:cxnSp>
+      <p:sp>
+        <p:nvSpPr>
+          <p:cNvPr id="7" name="TextBox 6">
+            <a:extLst>
+              <a:ext uri="{FF2B5EF4-FFF2-40B4-BE49-F238E27FC236}">
+                <a16:creationId xmlns:a16="http://schemas.microsoft.com/office/drawing/2014/main" id="{CE93A393-6D5C-0B32-2672-A9AD465AC56C}"/>
+              </a:ext>
+            </a:extLst>
+          </p:cNvPr>
+          <p:cNvSpPr txBox="1"/>
+          <p:nvPr/>
+        </p:nvSpPr>
+        <p:spPr>
+          <a:xfrm>
+            <a:off x="2948354" y="1447800"/>
+            <a:ext cx="849923" cy="369332"/>
+          </a:xfrm>
+          <a:prstGeom prst="rect">
+            <a:avLst/>
+          </a:prstGeom>
+          <a:noFill/>
+        </p:spPr>
+        <p:txBody>
+          <a:bodyPr wrap="square" rtlCol="0">
+            <a:spAutoFit/>
+          </a:bodyPr>
+          <a:lstStyle/>
+          <a:p>
+            <a:r>
+              <a:rPr lang="en-US" altLang="ko-KR" dirty="0"/>
+              <a:t>1:N</a:t>
+            </a:r>
+            <a:endParaRPr lang="ko-KR" altLang="en-US" dirty="0"/>
+          </a:p>
+        </p:txBody>
+      </p:sp>
+      <p:cxnSp>
+        <p:nvCxnSpPr>
+          <p:cNvPr id="9" name="직선 연결선 8">
+            <a:extLst>
+              <a:ext uri="{FF2B5EF4-FFF2-40B4-BE49-F238E27FC236}">
+                <a16:creationId xmlns:a16="http://schemas.microsoft.com/office/drawing/2014/main" id="{F978820F-BE68-DB53-8E09-2697F15099D5}"/>
+              </a:ext>
+            </a:extLst>
+          </p:cNvPr>
+          <p:cNvCxnSpPr>
+            <a:stCxn id="5" idx="2"/>
+            <a:endCxn id="2" idx="0"/>
+          </p:cNvCxnSpPr>
+          <p:nvPr/>
+        </p:nvCxnSpPr>
+        <p:spPr>
+          <a:xfrm flipH="1">
+            <a:off x="4232520" y="2798413"/>
+            <a:ext cx="688296" cy="1128882"/>
+          </a:xfrm>
+          <a:prstGeom prst="line">
+            <a:avLst/>
+          </a:prstGeom>
+        </p:spPr>
+        <p:style>
+          <a:lnRef idx="1">
+            <a:schemeClr val="dk1"/>
+          </a:lnRef>
+          <a:fillRef idx="0">
+            <a:schemeClr val="dk1"/>
+          </a:fillRef>
+          <a:effectRef idx="0">
+            <a:schemeClr val="dk1"/>
+          </a:effectRef>
+          <a:fontRef idx="minor">
+            <a:schemeClr val="tx1"/>
+          </a:fontRef>
+        </p:style>
+      </p:cxnSp>
+      <p:sp>
+        <p:nvSpPr>
+          <p:cNvPr id="10" name="TextBox 9">
+            <a:extLst>
+              <a:ext uri="{FF2B5EF4-FFF2-40B4-BE49-F238E27FC236}">
+                <a16:creationId xmlns:a16="http://schemas.microsoft.com/office/drawing/2014/main" id="{E06A9A2B-5927-A92F-4050-8F473A07F698}"/>
+              </a:ext>
+            </a:extLst>
+          </p:cNvPr>
+          <p:cNvSpPr txBox="1"/>
+          <p:nvPr/>
+        </p:nvSpPr>
+        <p:spPr>
+          <a:xfrm>
+            <a:off x="3943867" y="3271946"/>
+            <a:ext cx="849923" cy="369332"/>
+          </a:xfrm>
+          <a:prstGeom prst="rect">
+            <a:avLst/>
+          </a:prstGeom>
+          <a:noFill/>
+        </p:spPr>
+        <p:txBody>
+          <a:bodyPr wrap="square" rtlCol="0">
+            <a:spAutoFit/>
+          </a:bodyPr>
+          <a:lstStyle/>
+          <a:p>
+            <a:r>
+              <a:rPr lang="en-US" altLang="ko-KR" dirty="0"/>
+              <a:t>1:N</a:t>
+            </a:r>
+            <a:endParaRPr lang="ko-KR" altLang="en-US" dirty="0"/>
+          </a:p>
+        </p:txBody>
+      </p:sp>
+      <p:sp>
+        <p:nvSpPr>
+          <p:cNvPr id="11" name="TextBox 10">
+            <a:extLst>
+              <a:ext uri="{FF2B5EF4-FFF2-40B4-BE49-F238E27FC236}">
+                <a16:creationId xmlns:a16="http://schemas.microsoft.com/office/drawing/2014/main" id="{952596AA-8308-C19C-4E24-74185E0E29F1}"/>
+              </a:ext>
+            </a:extLst>
+          </p:cNvPr>
+          <p:cNvSpPr txBox="1"/>
+          <p:nvPr/>
+        </p:nvSpPr>
+        <p:spPr>
+          <a:xfrm>
+            <a:off x="6037425" y="2950822"/>
+            <a:ext cx="1492436" cy="1200329"/>
+          </a:xfrm>
+          <a:prstGeom prst="rect">
+            <a:avLst/>
+          </a:prstGeom>
+          <a:noFill/>
+        </p:spPr>
+        <p:txBody>
+          <a:bodyPr wrap="square" rtlCol="0">
+            <a:spAutoFit/>
+          </a:bodyPr>
+          <a:lstStyle/>
+          <a:p>
+            <a:r>
+              <a:rPr lang="en-US" altLang="ko-KR" b="1" dirty="0"/>
+              <a:t>Liked</a:t>
+            </a:r>
+          </a:p>
+          <a:p>
+            <a:r>
+              <a:rPr lang="en-US" altLang="ko-KR" dirty="0" err="1">
+                <a:highlight>
+                  <a:srgbClr val="FFFF00"/>
+                </a:highlight>
+              </a:rPr>
+              <a:t>Liked_Id</a:t>
+            </a:r>
+            <a:endParaRPr lang="en-US" altLang="ko-KR" dirty="0">
+              <a:highlight>
+                <a:srgbClr val="FFFF00"/>
+              </a:highlight>
+            </a:endParaRPr>
+          </a:p>
+          <a:p>
+            <a:r>
+              <a:rPr lang="en-US" altLang="ko-KR" dirty="0" err="1"/>
+              <a:t>User_Id</a:t>
+            </a:r>
+            <a:endParaRPr lang="en-US" altLang="ko-KR" dirty="0"/>
+          </a:p>
+          <a:p>
+            <a:r>
+              <a:rPr lang="en-US" altLang="ko-KR" dirty="0" err="1"/>
+              <a:t>Review_Id</a:t>
+            </a:r>
+            <a:endParaRPr lang="en-US" altLang="ko-KR" dirty="0"/>
+          </a:p>
+        </p:txBody>
+      </p:sp>
+      <p:sp>
+        <p:nvSpPr>
+          <p:cNvPr id="14" name="TextBox 13">
+            <a:extLst>
+              <a:ext uri="{FF2B5EF4-FFF2-40B4-BE49-F238E27FC236}">
+                <a16:creationId xmlns:a16="http://schemas.microsoft.com/office/drawing/2014/main" id="{1D2622F8-7427-348A-9492-C2236DDD505B}"/>
+              </a:ext>
+            </a:extLst>
+          </p:cNvPr>
+          <p:cNvSpPr txBox="1"/>
+          <p:nvPr/>
+        </p:nvSpPr>
+        <p:spPr>
+          <a:xfrm>
+            <a:off x="5433646" y="109032"/>
+            <a:ext cx="2276585" cy="1200329"/>
+          </a:xfrm>
+          <a:prstGeom prst="rect">
+            <a:avLst/>
+          </a:prstGeom>
+          <a:noFill/>
+        </p:spPr>
+        <p:txBody>
+          <a:bodyPr wrap="none" rtlCol="0">
+            <a:spAutoFit/>
+          </a:bodyPr>
+          <a:lstStyle/>
+          <a:p>
+            <a:r>
+              <a:rPr lang="en-US" altLang="ko-KR" dirty="0"/>
+              <a:t>User</a:t>
+            </a:r>
+            <a:r>
+              <a:rPr lang="ko-KR" altLang="en-US" dirty="0"/>
+              <a:t>기능</a:t>
+            </a:r>
+            <a:endParaRPr lang="en-US" altLang="ko-KR" dirty="0"/>
+          </a:p>
+          <a:p>
+            <a:r>
+              <a:rPr lang="ko-KR" altLang="en-US" dirty="0" err="1"/>
+              <a:t>즐겨찾는</a:t>
+            </a:r>
+            <a:r>
+              <a:rPr lang="ko-KR" altLang="en-US" dirty="0"/>
+              <a:t> 카페</a:t>
+            </a:r>
+            <a:endParaRPr lang="en-US" altLang="ko-KR" dirty="0"/>
+          </a:p>
+          <a:p>
+            <a:r>
+              <a:rPr lang="ko-KR" altLang="en-US" dirty="0"/>
+              <a:t>내가 작성한 리뷰</a:t>
+            </a:r>
+            <a:endParaRPr lang="en-US" altLang="ko-KR" dirty="0"/>
+          </a:p>
+          <a:p>
+            <a:r>
+              <a:rPr lang="ko-KR" altLang="en-US" dirty="0"/>
+              <a:t>내가 좋아요 한 리뷰</a:t>
+            </a:r>
+          </a:p>
+        </p:txBody>
+      </p:sp>
+      <p:sp>
+        <p:nvSpPr>
+          <p:cNvPr id="15" name="TextBox 14">
+            <a:extLst>
+              <a:ext uri="{FF2B5EF4-FFF2-40B4-BE49-F238E27FC236}">
+                <a16:creationId xmlns:a16="http://schemas.microsoft.com/office/drawing/2014/main" id="{49DFCF36-9F6E-67C1-D37E-0098E4DCD0EA}"/>
+              </a:ext>
+            </a:extLst>
+          </p:cNvPr>
+          <p:cNvSpPr txBox="1"/>
+          <p:nvPr/>
+        </p:nvSpPr>
+        <p:spPr>
+          <a:xfrm>
+            <a:off x="7866185" y="112765"/>
+            <a:ext cx="6024406" cy="1477328"/>
+          </a:xfrm>
+          <a:prstGeom prst="rect">
+            <a:avLst/>
+          </a:prstGeom>
+          <a:noFill/>
+        </p:spPr>
+        <p:txBody>
+          <a:bodyPr wrap="none" rtlCol="0">
+            <a:spAutoFit/>
+          </a:bodyPr>
+          <a:lstStyle/>
+          <a:p>
+            <a:r>
+              <a:rPr lang="en-US" altLang="ko-KR" dirty="0"/>
+              <a:t>Admin</a:t>
+            </a:r>
+            <a:r>
+              <a:rPr lang="ko-KR" altLang="en-US" dirty="0"/>
+              <a:t>기능</a:t>
+            </a:r>
+            <a:endParaRPr lang="en-US" altLang="ko-KR" dirty="0"/>
+          </a:p>
+          <a:p>
+            <a:r>
+              <a:rPr lang="ko-KR" altLang="en-US" dirty="0"/>
+              <a:t>카페 추가</a:t>
+            </a:r>
+            <a:r>
+              <a:rPr lang="en-US" altLang="ko-KR" dirty="0"/>
+              <a:t>/</a:t>
+            </a:r>
+            <a:r>
+              <a:rPr lang="ko-KR" altLang="en-US" dirty="0"/>
+              <a:t>삭제 승인</a:t>
+            </a:r>
+            <a:endParaRPr lang="en-US" altLang="ko-KR" dirty="0"/>
+          </a:p>
+          <a:p>
+            <a:endParaRPr lang="en-US" altLang="ko-KR" dirty="0"/>
+          </a:p>
+          <a:p>
+            <a:r>
+              <a:rPr lang="ko-KR" altLang="en-US" dirty="0"/>
+              <a:t>유저 권한 관리</a:t>
+            </a:r>
+            <a:r>
+              <a:rPr lang="en-US" altLang="ko-KR" dirty="0"/>
+              <a:t>(</a:t>
+            </a:r>
+            <a:r>
+              <a:rPr lang="ko-KR" altLang="en-US" dirty="0"/>
+              <a:t>리뷰쓰기 권한 부여</a:t>
+            </a:r>
+            <a:r>
+              <a:rPr lang="en-US" altLang="ko-KR" dirty="0"/>
+              <a:t>/</a:t>
+            </a:r>
+            <a:r>
+              <a:rPr lang="ko-KR" altLang="en-US" dirty="0"/>
+              <a:t>제거</a:t>
+            </a:r>
+            <a:r>
+              <a:rPr lang="en-US" altLang="ko-KR" dirty="0"/>
+              <a:t>)</a:t>
+            </a:r>
+          </a:p>
+          <a:p>
+            <a:r>
+              <a:rPr lang="en-US" altLang="ko-KR" dirty="0"/>
+              <a:t>  </a:t>
+            </a:r>
+            <a:r>
+              <a:rPr lang="ko-KR" altLang="en-US" dirty="0"/>
+              <a:t>모든 유저 보고 검색가능 페이지 </a:t>
+            </a:r>
+            <a:r>
+              <a:rPr lang="en-US" altLang="ko-KR" dirty="0"/>
+              <a:t>-&gt; </a:t>
+            </a:r>
+            <a:r>
+              <a:rPr lang="ko-KR" altLang="en-US" dirty="0"/>
+              <a:t>마이페이지로 연결</a:t>
+            </a:r>
+          </a:p>
+        </p:txBody>
+      </p:sp>
+      <p:sp>
+        <p:nvSpPr>
+          <p:cNvPr id="16" name="TextBox 15">
+            <a:extLst>
+              <a:ext uri="{FF2B5EF4-FFF2-40B4-BE49-F238E27FC236}">
+                <a16:creationId xmlns:a16="http://schemas.microsoft.com/office/drawing/2014/main" id="{B895C465-AE37-616D-E831-A2D2E1B1D95E}"/>
+              </a:ext>
+            </a:extLst>
+          </p:cNvPr>
+          <p:cNvSpPr txBox="1"/>
+          <p:nvPr/>
+        </p:nvSpPr>
+        <p:spPr>
+          <a:xfrm>
+            <a:off x="708900" y="3604129"/>
+            <a:ext cx="1534394" cy="1200329"/>
+          </a:xfrm>
+          <a:prstGeom prst="rect">
+            <a:avLst/>
+          </a:prstGeom>
+          <a:noFill/>
+        </p:spPr>
+        <p:txBody>
+          <a:bodyPr wrap="none" rtlCol="0">
+            <a:spAutoFit/>
+          </a:bodyPr>
+          <a:lstStyle/>
+          <a:p>
+            <a:r>
+              <a:rPr lang="en-US" altLang="ko-KR" b="1" dirty="0"/>
+              <a:t>Bookmark</a:t>
+            </a:r>
+          </a:p>
+          <a:p>
+            <a:r>
+              <a:rPr lang="en-US" altLang="ko-KR" dirty="0" err="1">
+                <a:highlight>
+                  <a:srgbClr val="FFFF00"/>
+                </a:highlight>
+              </a:rPr>
+              <a:t>Bookmark_Id</a:t>
+            </a:r>
+            <a:endParaRPr lang="en-US" altLang="ko-KR" dirty="0">
+              <a:highlight>
+                <a:srgbClr val="FFFF00"/>
+              </a:highlight>
+            </a:endParaRPr>
+          </a:p>
+          <a:p>
+            <a:r>
+              <a:rPr lang="en-US" altLang="ko-KR" dirty="0" err="1"/>
+              <a:t>User_Id</a:t>
+            </a:r>
+            <a:endParaRPr lang="en-US" altLang="ko-KR" dirty="0"/>
+          </a:p>
+          <a:p>
+            <a:r>
+              <a:rPr lang="en-US" altLang="ko-KR" dirty="0" err="1"/>
+              <a:t>Café_Id</a:t>
+            </a:r>
+            <a:endParaRPr lang="ko-KR" altLang="en-US" dirty="0"/>
+          </a:p>
+        </p:txBody>
+      </p:sp>
+      <p:sp>
+        <p:nvSpPr>
+          <p:cNvPr id="17" name="TextBox 16">
+            <a:extLst>
+              <a:ext uri="{FF2B5EF4-FFF2-40B4-BE49-F238E27FC236}">
+                <a16:creationId xmlns:a16="http://schemas.microsoft.com/office/drawing/2014/main" id="{6409A2AC-77AA-7CF6-1082-D3BB0BC392AC}"/>
+              </a:ext>
+            </a:extLst>
+          </p:cNvPr>
+          <p:cNvSpPr txBox="1"/>
+          <p:nvPr/>
+        </p:nvSpPr>
+        <p:spPr>
+          <a:xfrm>
+            <a:off x="8347661" y="2162818"/>
+            <a:ext cx="3738203" cy="2031325"/>
+          </a:xfrm>
+          <a:prstGeom prst="rect">
+            <a:avLst/>
+          </a:prstGeom>
+          <a:noFill/>
+        </p:spPr>
+        <p:txBody>
+          <a:bodyPr wrap="none" rtlCol="0">
+            <a:spAutoFit/>
+          </a:bodyPr>
+          <a:lstStyle/>
+          <a:p>
+            <a:r>
+              <a:rPr lang="en-US" altLang="ko-KR" b="1" dirty="0" err="1"/>
+              <a:t>Café_request</a:t>
+            </a:r>
+            <a:endParaRPr lang="en-US" altLang="ko-KR" b="1" dirty="0"/>
+          </a:p>
+          <a:p>
+            <a:r>
+              <a:rPr lang="en-US" altLang="ko-KR" dirty="0" err="1">
+                <a:highlight>
+                  <a:srgbClr val="FFFF00"/>
+                </a:highlight>
+              </a:rPr>
+              <a:t>Request_Id</a:t>
+            </a:r>
+            <a:endParaRPr lang="en-US" altLang="ko-KR" dirty="0">
+              <a:highlight>
+                <a:srgbClr val="FFFF00"/>
+              </a:highlight>
+            </a:endParaRPr>
+          </a:p>
+          <a:p>
+            <a:r>
+              <a:rPr lang="en-US" altLang="ko-KR" dirty="0" err="1"/>
+              <a:t>User_Id</a:t>
+            </a:r>
+            <a:endParaRPr lang="en-US" altLang="ko-KR" dirty="0"/>
+          </a:p>
+          <a:p>
+            <a:r>
+              <a:rPr lang="en-US" altLang="ko-KR" dirty="0" err="1"/>
+              <a:t>Café_Id</a:t>
+            </a:r>
+            <a:endParaRPr lang="en-US" altLang="ko-KR" dirty="0"/>
+          </a:p>
+          <a:p>
+            <a:r>
+              <a:rPr lang="en-US" altLang="ko-KR" dirty="0"/>
+              <a:t>Request(add/remove)</a:t>
+            </a:r>
+          </a:p>
+          <a:p>
+            <a:r>
+              <a:rPr lang="en-US" altLang="ko-KR" dirty="0"/>
+              <a:t>Content</a:t>
+            </a:r>
+          </a:p>
+          <a:p>
+            <a:r>
+              <a:rPr lang="en-US" altLang="ko-KR" dirty="0" err="1"/>
+              <a:t>Staus</a:t>
+            </a:r>
+            <a:r>
+              <a:rPr lang="en-US" altLang="ko-KR" dirty="0"/>
+              <a:t>(pending/approved/rejected)</a:t>
+            </a:r>
+            <a:endParaRPr lang="ko-KR" altLang="en-US" dirty="0"/>
+          </a:p>
+        </p:txBody>
+      </p:sp>
+      <p:sp>
+        <p:nvSpPr>
+          <p:cNvPr id="18" name="TextBox 17">
+            <a:extLst>
+              <a:ext uri="{FF2B5EF4-FFF2-40B4-BE49-F238E27FC236}">
+                <a16:creationId xmlns:a16="http://schemas.microsoft.com/office/drawing/2014/main" id="{9C7C9027-C2D9-D312-A354-9188D2A4D6BB}"/>
+              </a:ext>
+            </a:extLst>
+          </p:cNvPr>
+          <p:cNvSpPr txBox="1"/>
+          <p:nvPr/>
+        </p:nvSpPr>
+        <p:spPr>
+          <a:xfrm>
+            <a:off x="527538" y="515815"/>
+            <a:ext cx="3996607" cy="646331"/>
+          </a:xfrm>
+          <a:prstGeom prst="rect">
+            <a:avLst/>
+          </a:prstGeom>
+          <a:noFill/>
+        </p:spPr>
+        <p:txBody>
+          <a:bodyPr wrap="none" rtlCol="0">
+            <a:spAutoFit/>
+          </a:bodyPr>
+          <a:lstStyle/>
+          <a:p>
+            <a:r>
+              <a:rPr lang="en-US" altLang="ko-KR" dirty="0"/>
+              <a:t> 28524806 (8</a:t>
+            </a:r>
+            <a:r>
+              <a:rPr lang="ko-KR" altLang="en-US" dirty="0"/>
+              <a:t>자리</a:t>
+            </a:r>
+            <a:r>
+              <a:rPr lang="en-US" altLang="ko-KR" dirty="0"/>
+              <a:t>)</a:t>
+            </a:r>
+          </a:p>
+          <a:p>
+            <a:r>
+              <a:rPr lang="en-US" altLang="ko-KR" dirty="0"/>
+              <a:t>100000000 (</a:t>
+            </a:r>
+            <a:r>
+              <a:rPr lang="ko-KR" altLang="en-US" dirty="0"/>
+              <a:t>신규 카페는 </a:t>
+            </a:r>
+            <a:r>
+              <a:rPr lang="en-US" altLang="ko-KR" dirty="0"/>
+              <a:t>9</a:t>
+            </a:r>
+            <a:r>
+              <a:rPr lang="ko-KR" altLang="en-US" dirty="0"/>
+              <a:t>자리 </a:t>
+            </a:r>
+            <a:r>
+              <a:rPr lang="ko-KR" altLang="en-US" dirty="0" err="1"/>
+              <a:t>채번</a:t>
+            </a:r>
+            <a:r>
+              <a:rPr lang="en-US" altLang="ko-KR" dirty="0"/>
+              <a:t>)</a:t>
             </a:r>
             <a:endParaRPr lang="ko-KR" altLang="en-US" dirty="0"/>
           </a:p>

--- a/카페를 방랑하는 카공족을 위한 안내서.pptx
+++ b/카페를 방랑하는 카공족을 위한 안내서.pptx
@@ -263,7 +263,7 @@
           <a:p>
             <a:fld id="{39F3BBBB-9D68-4BC1-A7E3-76885AE8F234}" type="datetimeFigureOut">
               <a:rPr lang="ko-KR" altLang="en-US" smtClean="0"/>
-              <a:t>2023-04-26</a:t>
+              <a:t>2023-04-27</a:t>
             </a:fld>
             <a:endParaRPr lang="ko-KR" altLang="en-US"/>
           </a:p>
@@ -461,7 +461,7 @@
           <a:p>
             <a:fld id="{39F3BBBB-9D68-4BC1-A7E3-76885AE8F234}" type="datetimeFigureOut">
               <a:rPr lang="ko-KR" altLang="en-US" smtClean="0"/>
-              <a:t>2023-04-26</a:t>
+              <a:t>2023-04-27</a:t>
             </a:fld>
             <a:endParaRPr lang="ko-KR" altLang="en-US"/>
           </a:p>
@@ -669,7 +669,7 @@
           <a:p>
             <a:fld id="{39F3BBBB-9D68-4BC1-A7E3-76885AE8F234}" type="datetimeFigureOut">
               <a:rPr lang="ko-KR" altLang="en-US" smtClean="0"/>
-              <a:t>2023-04-26</a:t>
+              <a:t>2023-04-27</a:t>
             </a:fld>
             <a:endParaRPr lang="ko-KR" altLang="en-US"/>
           </a:p>
@@ -867,7 +867,7 @@
           <a:p>
             <a:fld id="{39F3BBBB-9D68-4BC1-A7E3-76885AE8F234}" type="datetimeFigureOut">
               <a:rPr lang="ko-KR" altLang="en-US" smtClean="0"/>
-              <a:t>2023-04-26</a:t>
+              <a:t>2023-04-27</a:t>
             </a:fld>
             <a:endParaRPr lang="ko-KR" altLang="en-US"/>
           </a:p>
@@ -1142,7 +1142,7 @@
           <a:p>
             <a:fld id="{39F3BBBB-9D68-4BC1-A7E3-76885AE8F234}" type="datetimeFigureOut">
               <a:rPr lang="ko-KR" altLang="en-US" smtClean="0"/>
-              <a:t>2023-04-26</a:t>
+              <a:t>2023-04-27</a:t>
             </a:fld>
             <a:endParaRPr lang="ko-KR" altLang="en-US"/>
           </a:p>
@@ -1407,7 +1407,7 @@
           <a:p>
             <a:fld id="{39F3BBBB-9D68-4BC1-A7E3-76885AE8F234}" type="datetimeFigureOut">
               <a:rPr lang="ko-KR" altLang="en-US" smtClean="0"/>
-              <a:t>2023-04-26</a:t>
+              <a:t>2023-04-27</a:t>
             </a:fld>
             <a:endParaRPr lang="ko-KR" altLang="en-US"/>
           </a:p>
@@ -1819,7 +1819,7 @@
           <a:p>
             <a:fld id="{39F3BBBB-9D68-4BC1-A7E3-76885AE8F234}" type="datetimeFigureOut">
               <a:rPr lang="ko-KR" altLang="en-US" smtClean="0"/>
-              <a:t>2023-04-26</a:t>
+              <a:t>2023-04-27</a:t>
             </a:fld>
             <a:endParaRPr lang="ko-KR" altLang="en-US"/>
           </a:p>
@@ -1960,7 +1960,7 @@
           <a:p>
             <a:fld id="{39F3BBBB-9D68-4BC1-A7E3-76885AE8F234}" type="datetimeFigureOut">
               <a:rPr lang="ko-KR" altLang="en-US" smtClean="0"/>
-              <a:t>2023-04-26</a:t>
+              <a:t>2023-04-27</a:t>
             </a:fld>
             <a:endParaRPr lang="ko-KR" altLang="en-US"/>
           </a:p>
@@ -2073,7 +2073,7 @@
           <a:p>
             <a:fld id="{39F3BBBB-9D68-4BC1-A7E3-76885AE8F234}" type="datetimeFigureOut">
               <a:rPr lang="ko-KR" altLang="en-US" smtClean="0"/>
-              <a:t>2023-04-26</a:t>
+              <a:t>2023-04-27</a:t>
             </a:fld>
             <a:endParaRPr lang="ko-KR" altLang="en-US"/>
           </a:p>
@@ -2384,7 +2384,7 @@
           <a:p>
             <a:fld id="{39F3BBBB-9D68-4BC1-A7E3-76885AE8F234}" type="datetimeFigureOut">
               <a:rPr lang="ko-KR" altLang="en-US" smtClean="0"/>
-              <a:t>2023-04-26</a:t>
+              <a:t>2023-04-27</a:t>
             </a:fld>
             <a:endParaRPr lang="ko-KR" altLang="en-US"/>
           </a:p>
@@ -2672,7 +2672,7 @@
           <a:p>
             <a:fld id="{39F3BBBB-9D68-4BC1-A7E3-76885AE8F234}" type="datetimeFigureOut">
               <a:rPr lang="ko-KR" altLang="en-US" smtClean="0"/>
-              <a:t>2023-04-26</a:t>
+              <a:t>2023-04-27</a:t>
             </a:fld>
             <a:endParaRPr lang="ko-KR" altLang="en-US"/>
           </a:p>
@@ -2913,7 +2913,7 @@
           <a:p>
             <a:fld id="{39F3BBBB-9D68-4BC1-A7E3-76885AE8F234}" type="datetimeFigureOut">
               <a:rPr lang="ko-KR" altLang="en-US" smtClean="0"/>
-              <a:t>2023-04-26</a:t>
+              <a:t>2023-04-27</a:t>
             </a:fld>
             <a:endParaRPr lang="ko-KR" altLang="en-US"/>
           </a:p>
@@ -7734,6 +7734,156 @@
           </a:p>
         </p:txBody>
       </p:sp>
+      <p:cxnSp>
+        <p:nvCxnSpPr>
+          <p:cNvPr id="8" name="직선 연결선 7">
+            <a:extLst>
+              <a:ext uri="{FF2B5EF4-FFF2-40B4-BE49-F238E27FC236}">
+                <a16:creationId xmlns:a16="http://schemas.microsoft.com/office/drawing/2014/main" id="{FE34F941-0449-E732-B2E8-5523FE5C1BC3}"/>
+              </a:ext>
+            </a:extLst>
+          </p:cNvPr>
+          <p:cNvCxnSpPr>
+            <a:stCxn id="11" idx="1"/>
+            <a:endCxn id="2" idx="3"/>
+          </p:cNvCxnSpPr>
+          <p:nvPr/>
+        </p:nvCxnSpPr>
+        <p:spPr>
+          <a:xfrm flipH="1">
+            <a:off x="5516686" y="3550987"/>
+            <a:ext cx="520739" cy="1253471"/>
+          </a:xfrm>
+          <a:prstGeom prst="line">
+            <a:avLst/>
+          </a:prstGeom>
+        </p:spPr>
+        <p:style>
+          <a:lnRef idx="1">
+            <a:schemeClr val="accent1"/>
+          </a:lnRef>
+          <a:fillRef idx="0">
+            <a:schemeClr val="accent1"/>
+          </a:fillRef>
+          <a:effectRef idx="0">
+            <a:schemeClr val="accent1"/>
+          </a:effectRef>
+          <a:fontRef idx="minor">
+            <a:schemeClr val="tx1"/>
+          </a:fontRef>
+        </p:style>
+      </p:cxnSp>
+      <p:sp>
+        <p:nvSpPr>
+          <p:cNvPr id="12" name="TextBox 11">
+            <a:extLst>
+              <a:ext uri="{FF2B5EF4-FFF2-40B4-BE49-F238E27FC236}">
+                <a16:creationId xmlns:a16="http://schemas.microsoft.com/office/drawing/2014/main" id="{0EB31DE8-3985-D131-F809-E1C4AC239764}"/>
+              </a:ext>
+            </a:extLst>
+          </p:cNvPr>
+          <p:cNvSpPr txBox="1"/>
+          <p:nvPr/>
+        </p:nvSpPr>
+        <p:spPr>
+          <a:xfrm>
+            <a:off x="5371823" y="4019627"/>
+            <a:ext cx="849923" cy="369332"/>
+          </a:xfrm>
+          <a:prstGeom prst="rect">
+            <a:avLst/>
+          </a:prstGeom>
+          <a:noFill/>
+        </p:spPr>
+        <p:txBody>
+          <a:bodyPr wrap="square" rtlCol="0">
+            <a:spAutoFit/>
+          </a:bodyPr>
+          <a:lstStyle/>
+          <a:p>
+            <a:r>
+              <a:rPr lang="en-US" altLang="ko-KR" dirty="0"/>
+              <a:t>1:N</a:t>
+            </a:r>
+            <a:endParaRPr lang="ko-KR" altLang="en-US" dirty="0"/>
+          </a:p>
+        </p:txBody>
+      </p:sp>
+      <p:cxnSp>
+        <p:nvCxnSpPr>
+          <p:cNvPr id="19" name="직선 연결선 18">
+            <a:extLst>
+              <a:ext uri="{FF2B5EF4-FFF2-40B4-BE49-F238E27FC236}">
+                <a16:creationId xmlns:a16="http://schemas.microsoft.com/office/drawing/2014/main" id="{A1BF47E1-339D-6ECD-6ADB-5EC4EF45E8D4}"/>
+              </a:ext>
+            </a:extLst>
+          </p:cNvPr>
+          <p:cNvCxnSpPr>
+            <a:stCxn id="11" idx="0"/>
+            <a:endCxn id="5" idx="3"/>
+          </p:cNvCxnSpPr>
+          <p:nvPr/>
+        </p:nvCxnSpPr>
+        <p:spPr>
+          <a:xfrm flipH="1" flipV="1">
+            <a:off x="5433646" y="2162818"/>
+            <a:ext cx="1349997" cy="788004"/>
+          </a:xfrm>
+          <a:prstGeom prst="line">
+            <a:avLst/>
+          </a:prstGeom>
+        </p:spPr>
+        <p:style>
+          <a:lnRef idx="1">
+            <a:schemeClr val="accent1"/>
+          </a:lnRef>
+          <a:fillRef idx="0">
+            <a:schemeClr val="accent1"/>
+          </a:fillRef>
+          <a:effectRef idx="0">
+            <a:schemeClr val="accent1"/>
+          </a:effectRef>
+          <a:fontRef idx="minor">
+            <a:schemeClr val="tx1"/>
+          </a:fontRef>
+        </p:style>
+      </p:cxnSp>
+      <p:sp>
+        <p:nvSpPr>
+          <p:cNvPr id="20" name="TextBox 19">
+            <a:extLst>
+              <a:ext uri="{FF2B5EF4-FFF2-40B4-BE49-F238E27FC236}">
+                <a16:creationId xmlns:a16="http://schemas.microsoft.com/office/drawing/2014/main" id="{41E47C4C-F1CA-0785-ED63-A91E69CFB438}"/>
+              </a:ext>
+            </a:extLst>
+          </p:cNvPr>
+          <p:cNvSpPr txBox="1"/>
+          <p:nvPr/>
+        </p:nvSpPr>
+        <p:spPr>
+          <a:xfrm>
+            <a:off x="5701223" y="2336709"/>
+            <a:ext cx="849923" cy="369332"/>
+          </a:xfrm>
+          <a:prstGeom prst="rect">
+            <a:avLst/>
+          </a:prstGeom>
+          <a:noFill/>
+        </p:spPr>
+        <p:txBody>
+          <a:bodyPr wrap="square" rtlCol="0">
+            <a:spAutoFit/>
+          </a:bodyPr>
+          <a:lstStyle/>
+          <a:p>
+            <a:r>
+              <a:rPr lang="en-US" altLang="ko-KR" dirty="0"/>
+              <a:t>1:N</a:t>
+            </a:r>
+            <a:endParaRPr lang="ko-KR" altLang="en-US" dirty="0"/>
+          </a:p>
+        </p:txBody>
+      </p:sp>
     </p:spTree>
     <p:extLst>
       <p:ext uri="{BB962C8B-B14F-4D97-AF65-F5344CB8AC3E}">

--- a/카페를 방랑하는 카공족을 위한 안내서.pptx
+++ b/카페를 방랑하는 카공족을 위한 안내서.pptx
@@ -10,6 +10,10 @@
     <p:sldId id="256" r:id="rId4"/>
     <p:sldId id="257" r:id="rId5"/>
     <p:sldId id="260" r:id="rId6"/>
+    <p:sldId id="263" r:id="rId7"/>
+    <p:sldId id="261" r:id="rId8"/>
+    <p:sldId id="262" r:id="rId9"/>
+    <p:sldId id="264" r:id="rId10"/>
   </p:sldIdLst>
   <p:sldSz cx="12192000" cy="6858000"/>
   <p:notesSz cx="6858000" cy="9144000"/>
@@ -263,7 +267,7 @@
           <a:p>
             <a:fld id="{39F3BBBB-9D68-4BC1-A7E3-76885AE8F234}" type="datetimeFigureOut">
               <a:rPr lang="ko-KR" altLang="en-US" smtClean="0"/>
-              <a:t>2023-04-27</a:t>
+              <a:t>2023-04-28</a:t>
             </a:fld>
             <a:endParaRPr lang="ko-KR" altLang="en-US"/>
           </a:p>
@@ -461,7 +465,7 @@
           <a:p>
             <a:fld id="{39F3BBBB-9D68-4BC1-A7E3-76885AE8F234}" type="datetimeFigureOut">
               <a:rPr lang="ko-KR" altLang="en-US" smtClean="0"/>
-              <a:t>2023-04-27</a:t>
+              <a:t>2023-04-28</a:t>
             </a:fld>
             <a:endParaRPr lang="ko-KR" altLang="en-US"/>
           </a:p>
@@ -669,7 +673,7 @@
           <a:p>
             <a:fld id="{39F3BBBB-9D68-4BC1-A7E3-76885AE8F234}" type="datetimeFigureOut">
               <a:rPr lang="ko-KR" altLang="en-US" smtClean="0"/>
-              <a:t>2023-04-27</a:t>
+              <a:t>2023-04-28</a:t>
             </a:fld>
             <a:endParaRPr lang="ko-KR" altLang="en-US"/>
           </a:p>
@@ -867,7 +871,7 @@
           <a:p>
             <a:fld id="{39F3BBBB-9D68-4BC1-A7E3-76885AE8F234}" type="datetimeFigureOut">
               <a:rPr lang="ko-KR" altLang="en-US" smtClean="0"/>
-              <a:t>2023-04-27</a:t>
+              <a:t>2023-04-28</a:t>
             </a:fld>
             <a:endParaRPr lang="ko-KR" altLang="en-US"/>
           </a:p>
@@ -1142,7 +1146,7 @@
           <a:p>
             <a:fld id="{39F3BBBB-9D68-4BC1-A7E3-76885AE8F234}" type="datetimeFigureOut">
               <a:rPr lang="ko-KR" altLang="en-US" smtClean="0"/>
-              <a:t>2023-04-27</a:t>
+              <a:t>2023-04-28</a:t>
             </a:fld>
             <a:endParaRPr lang="ko-KR" altLang="en-US"/>
           </a:p>
@@ -1407,7 +1411,7 @@
           <a:p>
             <a:fld id="{39F3BBBB-9D68-4BC1-A7E3-76885AE8F234}" type="datetimeFigureOut">
               <a:rPr lang="ko-KR" altLang="en-US" smtClean="0"/>
-              <a:t>2023-04-27</a:t>
+              <a:t>2023-04-28</a:t>
             </a:fld>
             <a:endParaRPr lang="ko-KR" altLang="en-US"/>
           </a:p>
@@ -1819,7 +1823,7 @@
           <a:p>
             <a:fld id="{39F3BBBB-9D68-4BC1-A7E3-76885AE8F234}" type="datetimeFigureOut">
               <a:rPr lang="ko-KR" altLang="en-US" smtClean="0"/>
-              <a:t>2023-04-27</a:t>
+              <a:t>2023-04-28</a:t>
             </a:fld>
             <a:endParaRPr lang="ko-KR" altLang="en-US"/>
           </a:p>
@@ -1960,7 +1964,7 @@
           <a:p>
             <a:fld id="{39F3BBBB-9D68-4BC1-A7E3-76885AE8F234}" type="datetimeFigureOut">
               <a:rPr lang="ko-KR" altLang="en-US" smtClean="0"/>
-              <a:t>2023-04-27</a:t>
+              <a:t>2023-04-28</a:t>
             </a:fld>
             <a:endParaRPr lang="ko-KR" altLang="en-US"/>
           </a:p>
@@ -2073,7 +2077,7 @@
           <a:p>
             <a:fld id="{39F3BBBB-9D68-4BC1-A7E3-76885AE8F234}" type="datetimeFigureOut">
               <a:rPr lang="ko-KR" altLang="en-US" smtClean="0"/>
-              <a:t>2023-04-27</a:t>
+              <a:t>2023-04-28</a:t>
             </a:fld>
             <a:endParaRPr lang="ko-KR" altLang="en-US"/>
           </a:p>
@@ -2384,7 +2388,7 @@
           <a:p>
             <a:fld id="{39F3BBBB-9D68-4BC1-A7E3-76885AE8F234}" type="datetimeFigureOut">
               <a:rPr lang="ko-KR" altLang="en-US" smtClean="0"/>
-              <a:t>2023-04-27</a:t>
+              <a:t>2023-04-28</a:t>
             </a:fld>
             <a:endParaRPr lang="ko-KR" altLang="en-US"/>
           </a:p>
@@ -2672,7 +2676,7 @@
           <a:p>
             <a:fld id="{39F3BBBB-9D68-4BC1-A7E3-76885AE8F234}" type="datetimeFigureOut">
               <a:rPr lang="ko-KR" altLang="en-US" smtClean="0"/>
-              <a:t>2023-04-27</a:t>
+              <a:t>2023-04-28</a:t>
             </a:fld>
             <a:endParaRPr lang="ko-KR" altLang="en-US"/>
           </a:p>
@@ -2913,7 +2917,7 @@
           <a:p>
             <a:fld id="{39F3BBBB-9D68-4BC1-A7E3-76885AE8F234}" type="datetimeFigureOut">
               <a:rPr lang="ko-KR" altLang="en-US" smtClean="0"/>
-              <a:t>2023-04-27</a:t>
+              <a:t>2023-04-28</a:t>
             </a:fld>
             <a:endParaRPr lang="ko-KR" altLang="en-US"/>
           </a:p>
@@ -6918,8 +6922,8 @@
         </p:nvSpPr>
         <p:spPr>
           <a:xfrm>
-            <a:off x="1463040" y="1147156"/>
-            <a:ext cx="2244525" cy="2031325"/>
+            <a:off x="796828" y="1222546"/>
+            <a:ext cx="3113288" cy="2031325"/>
           </a:xfrm>
           <a:prstGeom prst="rect">
             <a:avLst/>
@@ -6982,7 +6986,7 @@
           <a:p>
             <a:r>
               <a:rPr lang="en-US" altLang="ko-KR" dirty="0"/>
-              <a:t>Status(open/closed)</a:t>
+              <a:t>Status(open/closed/request)</a:t>
             </a:r>
           </a:p>
         </p:txBody>
@@ -7142,15 +7146,15 @@
             </a:extLst>
           </p:cNvPr>
           <p:cNvCxnSpPr>
-            <a:stCxn id="4" idx="3"/>
-            <a:endCxn id="5" idx="1"/>
+            <a:cxnSpLocks/>
+            <a:stCxn id="5" idx="1"/>
           </p:cNvCxnSpPr>
           <p:nvPr/>
         </p:nvCxnSpPr>
         <p:spPr>
-          <a:xfrm flipV="1">
-            <a:off x="3707565" y="2059749"/>
-            <a:ext cx="611451" cy="103070"/>
+          <a:xfrm flipH="1">
+            <a:off x="1837509" y="2059749"/>
+            <a:ext cx="2481507" cy="100228"/>
           </a:xfrm>
           <a:prstGeom prst="line">
             <a:avLst/>
@@ -7591,7 +7595,7 @@
         <p:spPr>
           <a:xfrm>
             <a:off x="8347661" y="2162818"/>
-            <a:ext cx="3738203" cy="2031325"/>
+            <a:ext cx="3861250" cy="2308324"/>
           </a:xfrm>
           <a:prstGeom prst="rect">
             <a:avLst/>
@@ -7637,18 +7641,37 @@
               <a:rPr lang="en-US" altLang="ko-KR" dirty="0" err="1"/>
               <a:t>Café_Id</a:t>
             </a:r>
-            <a:endParaRPr lang="en-US" altLang="ko-KR" dirty="0"/>
-          </a:p>
-          <a:p>
-            <a:r>
-              <a:rPr lang="en-US" altLang="ko-KR" dirty="0"/>
-              <a:t>Request(add/remove)</a:t>
-            </a:r>
-          </a:p>
-          <a:p>
-            <a:r>
-              <a:rPr lang="en-US" altLang="ko-KR" dirty="0"/>
-              <a:t>Content</a:t>
+            <a:r>
+              <a:rPr lang="en-US" altLang="ko-KR" dirty="0"/>
+              <a:t> (</a:t>
+            </a:r>
+            <a:r>
+              <a:rPr lang="ko-KR" altLang="en-US" dirty="0" err="1"/>
+              <a:t>신규채번</a:t>
+            </a:r>
+            <a:r>
+              <a:rPr lang="en-US" altLang="ko-KR" dirty="0"/>
+              <a:t>)</a:t>
+            </a:r>
+          </a:p>
+          <a:p>
+            <a:r>
+              <a:rPr lang="en-US" altLang="ko-KR" dirty="0"/>
+              <a:t>Request(add/modify/remove)</a:t>
+            </a:r>
+          </a:p>
+          <a:p>
+            <a:r>
+              <a:rPr lang="en-US" altLang="ko-KR" dirty="0"/>
+              <a:t>Content(</a:t>
+            </a:r>
+            <a:r>
+              <a:rPr lang="ko-KR" altLang="en-US" dirty="0"/>
+              <a:t>요청사항</a:t>
+            </a:r>
+            <a:r>
+              <a:rPr lang="en-US" altLang="ko-KR" dirty="0"/>
+              <a:t>)</a:t>
             </a:r>
           </a:p>
           <a:p>
@@ -7658,7 +7681,21 @@
             </a:r>
             <a:r>
               <a:rPr lang="en-US" altLang="ko-KR" dirty="0"/>
-              <a:t>(pending/approved/rejected)</a:t>
+              <a:t>(pending/completed/rejected)</a:t>
+            </a:r>
+          </a:p>
+          <a:p>
+            <a:r>
+              <a:rPr lang="en-US" altLang="ko-KR" dirty="0"/>
+              <a:t>Answer(</a:t>
+            </a:r>
+            <a:r>
+              <a:rPr lang="ko-KR" altLang="en-US" dirty="0"/>
+              <a:t>답변</a:t>
+            </a:r>
+            <a:r>
+              <a:rPr lang="en-US" altLang="ko-KR" dirty="0"/>
+              <a:t>)</a:t>
             </a:r>
             <a:endParaRPr lang="ko-KR" altLang="en-US" dirty="0"/>
           </a:p>
@@ -7888,6 +7925,1443 @@
     <p:extLst>
       <p:ext uri="{BB962C8B-B14F-4D97-AF65-F5344CB8AC3E}">
         <p14:creationId xmlns:p14="http://schemas.microsoft.com/office/powerpoint/2010/main" val="3455322710"/>
+      </p:ext>
+    </p:extLst>
+  </p:cSld>
+  <p:clrMapOvr>
+    <a:masterClrMapping/>
+  </p:clrMapOvr>
+</p:sld>
+</file>
+
+<file path=ppt/slides/slide6.xml><?xml version="1.0" encoding="utf-8"?>
+<p:sld xmlns:a="http://schemas.openxmlformats.org/drawingml/2006/main" xmlns:r="http://schemas.openxmlformats.org/officeDocument/2006/relationships" xmlns:p="http://schemas.openxmlformats.org/presentationml/2006/main">
+  <p:cSld>
+    <p:spTree>
+      <p:nvGrpSpPr>
+        <p:cNvPr id="1" name=""/>
+        <p:cNvGrpSpPr/>
+        <p:nvPr/>
+      </p:nvGrpSpPr>
+      <p:grpSpPr>
+        <a:xfrm>
+          <a:off x="0" y="0"/>
+          <a:ext cx="0" cy="0"/>
+          <a:chOff x="0" y="0"/>
+          <a:chExt cx="0" cy="0"/>
+        </a:xfrm>
+      </p:grpSpPr>
+      <p:sp>
+        <p:nvSpPr>
+          <p:cNvPr id="4" name="TextBox 3">
+            <a:extLst>
+              <a:ext uri="{FF2B5EF4-FFF2-40B4-BE49-F238E27FC236}">
+                <a16:creationId xmlns:a16="http://schemas.microsoft.com/office/drawing/2014/main" id="{2377EB30-0503-E352-3AB1-BEC0EC26DA9C}"/>
+              </a:ext>
+            </a:extLst>
+          </p:cNvPr>
+          <p:cNvSpPr txBox="1"/>
+          <p:nvPr/>
+        </p:nvSpPr>
+        <p:spPr>
+          <a:xfrm>
+            <a:off x="989901" y="453006"/>
+            <a:ext cx="1420582" cy="369332"/>
+          </a:xfrm>
+          <a:prstGeom prst="rect">
+            <a:avLst/>
+          </a:prstGeom>
+          <a:noFill/>
+        </p:spPr>
+        <p:txBody>
+          <a:bodyPr wrap="none" rtlCol="0">
+            <a:spAutoFit/>
+          </a:bodyPr>
+          <a:lstStyle/>
+          <a:p>
+            <a:r>
+              <a:rPr lang="ko-KR" altLang="en-US" dirty="0"/>
+              <a:t>마이 페이지</a:t>
+            </a:r>
+          </a:p>
+        </p:txBody>
+      </p:sp>
+      <p:sp>
+        <p:nvSpPr>
+          <p:cNvPr id="6" name="TextBox 5">
+            <a:extLst>
+              <a:ext uri="{FF2B5EF4-FFF2-40B4-BE49-F238E27FC236}">
+                <a16:creationId xmlns:a16="http://schemas.microsoft.com/office/drawing/2014/main" id="{E85574D3-72C1-DFD2-4811-1D62CEC1DB93}"/>
+              </a:ext>
+            </a:extLst>
+          </p:cNvPr>
+          <p:cNvSpPr txBox="1"/>
+          <p:nvPr/>
+        </p:nvSpPr>
+        <p:spPr>
+          <a:xfrm>
+            <a:off x="989901" y="3724714"/>
+            <a:ext cx="3985386" cy="369332"/>
+          </a:xfrm>
+          <a:prstGeom prst="rect">
+            <a:avLst/>
+          </a:prstGeom>
+          <a:noFill/>
+        </p:spPr>
+        <p:txBody>
+          <a:bodyPr wrap="none" rtlCol="0">
+            <a:spAutoFit/>
+          </a:bodyPr>
+          <a:lstStyle/>
+          <a:p>
+            <a:r>
+              <a:rPr lang="ko-KR" altLang="en-US" dirty="0"/>
+              <a:t>요청중인 문의 </a:t>
+            </a:r>
+            <a:r>
+              <a:rPr lang="en-US" altLang="ko-KR" dirty="0"/>
+              <a:t>(</a:t>
+            </a:r>
+            <a:r>
+              <a:rPr lang="ko-KR" altLang="en-US" dirty="0"/>
+              <a:t>카페 추가</a:t>
+            </a:r>
+            <a:r>
+              <a:rPr lang="en-US" altLang="ko-KR" dirty="0"/>
+              <a:t>/</a:t>
+            </a:r>
+            <a:r>
+              <a:rPr lang="ko-KR" altLang="en-US" dirty="0"/>
+              <a:t>수정</a:t>
+            </a:r>
+            <a:r>
+              <a:rPr lang="en-US" altLang="ko-KR" dirty="0"/>
+              <a:t>/</a:t>
+            </a:r>
+            <a:r>
+              <a:rPr lang="ko-KR" altLang="en-US" dirty="0"/>
+              <a:t>삭제</a:t>
+            </a:r>
+            <a:r>
+              <a:rPr lang="en-US" altLang="ko-KR" dirty="0"/>
+              <a:t>)</a:t>
+            </a:r>
+            <a:endParaRPr lang="ko-KR" altLang="en-US" dirty="0"/>
+          </a:p>
+        </p:txBody>
+      </p:sp>
+      <p:sp>
+        <p:nvSpPr>
+          <p:cNvPr id="7" name="TextBox 6">
+            <a:extLst>
+              <a:ext uri="{FF2B5EF4-FFF2-40B4-BE49-F238E27FC236}">
+                <a16:creationId xmlns:a16="http://schemas.microsoft.com/office/drawing/2014/main" id="{19BFAC25-7BE5-ED62-CA75-EDC82109F32B}"/>
+              </a:ext>
+            </a:extLst>
+          </p:cNvPr>
+          <p:cNvSpPr txBox="1"/>
+          <p:nvPr/>
+        </p:nvSpPr>
+        <p:spPr>
+          <a:xfrm>
+            <a:off x="1115736" y="1518407"/>
+            <a:ext cx="1963999" cy="369332"/>
+          </a:xfrm>
+          <a:prstGeom prst="rect">
+            <a:avLst/>
+          </a:prstGeom>
+          <a:noFill/>
+        </p:spPr>
+        <p:txBody>
+          <a:bodyPr wrap="none" rtlCol="0">
+            <a:spAutoFit/>
+          </a:bodyPr>
+          <a:lstStyle/>
+          <a:p>
+            <a:r>
+              <a:rPr lang="ko-KR" altLang="en-US" dirty="0"/>
+              <a:t>내가 작성한 리뷰</a:t>
+            </a:r>
+          </a:p>
+        </p:txBody>
+      </p:sp>
+      <p:sp>
+        <p:nvSpPr>
+          <p:cNvPr id="8" name="직사각형 7">
+            <a:extLst>
+              <a:ext uri="{FF2B5EF4-FFF2-40B4-BE49-F238E27FC236}">
+                <a16:creationId xmlns:a16="http://schemas.microsoft.com/office/drawing/2014/main" id="{D56FFC4E-5F3D-7352-7122-8220ACA0D01E}"/>
+              </a:ext>
+            </a:extLst>
+          </p:cNvPr>
+          <p:cNvSpPr/>
+          <p:nvPr/>
+        </p:nvSpPr>
+        <p:spPr>
+          <a:xfrm>
+            <a:off x="1157681" y="1887739"/>
+            <a:ext cx="7323589" cy="1484637"/>
+          </a:xfrm>
+          <a:prstGeom prst="rect">
+            <a:avLst/>
+          </a:prstGeom>
+        </p:spPr>
+        <p:style>
+          <a:lnRef idx="2">
+            <a:schemeClr val="dk1"/>
+          </a:lnRef>
+          <a:fillRef idx="1">
+            <a:schemeClr val="lt1"/>
+          </a:fillRef>
+          <a:effectRef idx="0">
+            <a:schemeClr val="dk1"/>
+          </a:effectRef>
+          <a:fontRef idx="minor">
+            <a:schemeClr val="dk1"/>
+          </a:fontRef>
+        </p:style>
+        <p:txBody>
+          <a:bodyPr rtlCol="0" anchor="ctr"/>
+          <a:lstStyle/>
+          <a:p>
+            <a:pPr algn="ctr"/>
+            <a:endParaRPr lang="ko-KR" altLang="en-US"/>
+          </a:p>
+        </p:txBody>
+      </p:sp>
+      <p:sp>
+        <p:nvSpPr>
+          <p:cNvPr id="9" name="직사각형 8">
+            <a:extLst>
+              <a:ext uri="{FF2B5EF4-FFF2-40B4-BE49-F238E27FC236}">
+                <a16:creationId xmlns:a16="http://schemas.microsoft.com/office/drawing/2014/main" id="{D13CEF2A-579F-F329-CF14-7B8BD4B797FA}"/>
+              </a:ext>
+            </a:extLst>
+          </p:cNvPr>
+          <p:cNvSpPr/>
+          <p:nvPr/>
+        </p:nvSpPr>
+        <p:spPr>
+          <a:xfrm>
+            <a:off x="1157681" y="4254832"/>
+            <a:ext cx="7323589" cy="1484637"/>
+          </a:xfrm>
+          <a:prstGeom prst="rect">
+            <a:avLst/>
+          </a:prstGeom>
+        </p:spPr>
+        <p:style>
+          <a:lnRef idx="2">
+            <a:schemeClr val="dk1"/>
+          </a:lnRef>
+          <a:fillRef idx="1">
+            <a:schemeClr val="lt1"/>
+          </a:fillRef>
+          <a:effectRef idx="0">
+            <a:schemeClr val="dk1"/>
+          </a:effectRef>
+          <a:fontRef idx="minor">
+            <a:schemeClr val="dk1"/>
+          </a:fontRef>
+        </p:style>
+        <p:txBody>
+          <a:bodyPr rtlCol="0" anchor="ctr"/>
+          <a:lstStyle/>
+          <a:p>
+            <a:pPr algn="ctr"/>
+            <a:endParaRPr lang="ko-KR" altLang="en-US"/>
+          </a:p>
+        </p:txBody>
+      </p:sp>
+    </p:spTree>
+    <p:extLst>
+      <p:ext uri="{BB962C8B-B14F-4D97-AF65-F5344CB8AC3E}">
+        <p14:creationId xmlns:p14="http://schemas.microsoft.com/office/powerpoint/2010/main" val="4094507171"/>
+      </p:ext>
+    </p:extLst>
+  </p:cSld>
+  <p:clrMapOvr>
+    <a:masterClrMapping/>
+  </p:clrMapOvr>
+</p:sld>
+</file>
+
+<file path=ppt/slides/slide7.xml><?xml version="1.0" encoding="utf-8"?>
+<p:sld xmlns:a="http://schemas.openxmlformats.org/drawingml/2006/main" xmlns:r="http://schemas.openxmlformats.org/officeDocument/2006/relationships" xmlns:p="http://schemas.openxmlformats.org/presentationml/2006/main">
+  <p:cSld>
+    <p:spTree>
+      <p:nvGrpSpPr>
+        <p:cNvPr id="1" name=""/>
+        <p:cNvGrpSpPr/>
+        <p:nvPr/>
+      </p:nvGrpSpPr>
+      <p:grpSpPr>
+        <a:xfrm>
+          <a:off x="0" y="0"/>
+          <a:ext cx="0" cy="0"/>
+          <a:chOff x="0" y="0"/>
+          <a:chExt cx="0" cy="0"/>
+        </a:xfrm>
+      </p:grpSpPr>
+      <p:sp>
+        <p:nvSpPr>
+          <p:cNvPr id="4" name="TextBox 3">
+            <a:extLst>
+              <a:ext uri="{FF2B5EF4-FFF2-40B4-BE49-F238E27FC236}">
+                <a16:creationId xmlns:a16="http://schemas.microsoft.com/office/drawing/2014/main" id="{ED0D2113-065F-1E2A-B3D8-CE736D67220E}"/>
+              </a:ext>
+            </a:extLst>
+          </p:cNvPr>
+          <p:cNvSpPr txBox="1"/>
+          <p:nvPr/>
+        </p:nvSpPr>
+        <p:spPr>
+          <a:xfrm>
+            <a:off x="497268" y="453404"/>
+            <a:ext cx="7566870" cy="6186309"/>
+          </a:xfrm>
+          <a:prstGeom prst="rect">
+            <a:avLst/>
+          </a:prstGeom>
+          <a:noFill/>
+        </p:spPr>
+        <p:txBody>
+          <a:bodyPr wrap="square" rtlCol="0">
+            <a:spAutoFit/>
+          </a:bodyPr>
+          <a:lstStyle/>
+          <a:p>
+            <a:r>
+              <a:rPr lang="en-US" altLang="ko-KR" dirty="0"/>
+              <a:t>/ - GET </a:t>
+            </a:r>
+            <a:r>
+              <a:rPr lang="ko-KR" altLang="en-US" dirty="0" err="1"/>
+              <a:t>메인화면</a:t>
+            </a:r>
+            <a:r>
+              <a:rPr lang="ko-KR" altLang="en-US" dirty="0"/>
+              <a:t> 이동</a:t>
+            </a:r>
+            <a:endParaRPr lang="en-US" altLang="ko-KR" dirty="0"/>
+          </a:p>
+          <a:p>
+            <a:r>
+              <a:rPr lang="en-US" altLang="ko-KR" dirty="0"/>
+              <a:t>/ - POST </a:t>
+            </a:r>
+            <a:r>
+              <a:rPr lang="ko-KR" altLang="en-US" dirty="0" err="1"/>
+              <a:t>메인화면</a:t>
+            </a:r>
+            <a:r>
+              <a:rPr lang="ko-KR" altLang="en-US" dirty="0"/>
+              <a:t> 카페목록 조회</a:t>
+            </a:r>
+            <a:endParaRPr lang="en-US" altLang="ko-KR" dirty="0"/>
+          </a:p>
+          <a:p>
+            <a:endParaRPr lang="en-US" altLang="ko-KR" dirty="0"/>
+          </a:p>
+          <a:p>
+            <a:r>
+              <a:rPr lang="en-US" altLang="ko-KR" dirty="0"/>
+              <a:t>/café/{</a:t>
+            </a:r>
+            <a:r>
+              <a:rPr lang="en-US" altLang="ko-KR" dirty="0" err="1"/>
+              <a:t>cafeId</a:t>
+            </a:r>
+            <a:r>
+              <a:rPr lang="en-US" altLang="ko-KR" dirty="0"/>
+              <a:t>} – POST </a:t>
+            </a:r>
+            <a:r>
+              <a:rPr lang="ko-KR" altLang="en-US" dirty="0"/>
+              <a:t>카페 조회</a:t>
+            </a:r>
+            <a:endParaRPr lang="en-US" altLang="ko-KR" dirty="0"/>
+          </a:p>
+          <a:p>
+            <a:r>
+              <a:rPr lang="en-US" altLang="ko-KR" dirty="0"/>
+              <a:t>/café/{</a:t>
+            </a:r>
+            <a:r>
+              <a:rPr lang="en-US" altLang="ko-KR" dirty="0" err="1"/>
+              <a:t>cafeId</a:t>
+            </a:r>
+            <a:r>
+              <a:rPr lang="en-US" altLang="ko-KR" dirty="0"/>
+              <a:t>}/bookmark – POST </a:t>
+            </a:r>
+            <a:r>
+              <a:rPr lang="ko-KR" altLang="en-US" dirty="0"/>
+              <a:t>북마크 등록</a:t>
+            </a:r>
+            <a:r>
+              <a:rPr lang="en-US" altLang="ko-KR" dirty="0"/>
+              <a:t>/</a:t>
+            </a:r>
+            <a:r>
+              <a:rPr lang="ko-KR" altLang="en-US" dirty="0"/>
+              <a:t>삭제</a:t>
+            </a:r>
+            <a:endParaRPr lang="en-US" altLang="ko-KR" dirty="0"/>
+          </a:p>
+          <a:p>
+            <a:endParaRPr lang="en-US" altLang="ko-KR" dirty="0"/>
+          </a:p>
+          <a:p>
+            <a:r>
+              <a:rPr lang="en-US" altLang="ko-KR" dirty="0"/>
+              <a:t>/review/register – POST </a:t>
+            </a:r>
+            <a:r>
+              <a:rPr lang="ko-KR" altLang="en-US" dirty="0"/>
+              <a:t>리뷰쓰기</a:t>
+            </a:r>
+            <a:endParaRPr lang="en-US" altLang="ko-KR" dirty="0"/>
+          </a:p>
+          <a:p>
+            <a:r>
+              <a:rPr lang="en-US" altLang="ko-KR" dirty="0"/>
+              <a:t>/review/modify – POST</a:t>
+            </a:r>
+            <a:r>
+              <a:rPr lang="ko-KR" altLang="en-US" dirty="0"/>
+              <a:t> 리뷰수정</a:t>
+            </a:r>
+            <a:endParaRPr lang="en-US" altLang="ko-KR" dirty="0"/>
+          </a:p>
+          <a:p>
+            <a:r>
+              <a:rPr lang="en-US" altLang="ko-KR" dirty="0"/>
+              <a:t>/review/remove – POST </a:t>
+            </a:r>
+            <a:r>
+              <a:rPr lang="ko-KR" altLang="en-US" dirty="0"/>
+              <a:t>리뷰삭제</a:t>
+            </a:r>
+            <a:endParaRPr lang="en-US" altLang="ko-KR" dirty="0"/>
+          </a:p>
+          <a:p>
+            <a:r>
+              <a:rPr lang="en-US" altLang="ko-KR" dirty="0"/>
+              <a:t>/review/{</a:t>
+            </a:r>
+            <a:r>
+              <a:rPr lang="en-US" altLang="ko-KR" dirty="0" err="1"/>
+              <a:t>userId</a:t>
+            </a:r>
+            <a:r>
+              <a:rPr lang="en-US" altLang="ko-KR" dirty="0"/>
+              <a:t>} – POST </a:t>
+            </a:r>
+            <a:r>
+              <a:rPr lang="ko-KR" altLang="en-US" dirty="0"/>
+              <a:t>유저가 작성한 리뷰 목록 조회 </a:t>
+            </a:r>
+            <a:r>
+              <a:rPr lang="en-US" altLang="ko-KR" dirty="0"/>
+              <a:t>(</a:t>
+            </a:r>
+            <a:r>
+              <a:rPr lang="ko-KR" altLang="en-US" dirty="0"/>
+              <a:t>마이페이지</a:t>
+            </a:r>
+            <a:r>
+              <a:rPr lang="en-US" altLang="ko-KR" dirty="0"/>
+              <a:t>)</a:t>
+            </a:r>
+          </a:p>
+          <a:p>
+            <a:r>
+              <a:rPr lang="en-US" altLang="ko-KR" dirty="0"/>
+              <a:t>/review/liked – POST </a:t>
+            </a:r>
+            <a:r>
+              <a:rPr lang="ko-KR" altLang="en-US" dirty="0"/>
+              <a:t>좋아요 등록</a:t>
+            </a:r>
+            <a:r>
+              <a:rPr lang="en-US" altLang="ko-KR" dirty="0"/>
+              <a:t>/</a:t>
+            </a:r>
+            <a:r>
+              <a:rPr lang="ko-KR" altLang="en-US" dirty="0"/>
+              <a:t>삭제</a:t>
+            </a:r>
+            <a:endParaRPr lang="en-US" altLang="ko-KR" dirty="0"/>
+          </a:p>
+          <a:p>
+            <a:endParaRPr lang="en-US" altLang="ko-KR" dirty="0"/>
+          </a:p>
+          <a:p>
+            <a:r>
+              <a:rPr lang="en-US" altLang="ko-KR" dirty="0"/>
+              <a:t>/member/login</a:t>
+            </a:r>
+          </a:p>
+          <a:p>
+            <a:r>
+              <a:rPr lang="en-US" altLang="ko-KR" dirty="0"/>
+              <a:t>/member/register</a:t>
+            </a:r>
+          </a:p>
+          <a:p>
+            <a:endParaRPr lang="en-US" altLang="ko-KR" dirty="0"/>
+          </a:p>
+          <a:p>
+            <a:r>
+              <a:rPr lang="en-US" altLang="ko-KR" dirty="0"/>
+              <a:t>/</a:t>
+            </a:r>
+            <a:r>
+              <a:rPr lang="en-US" altLang="ko-KR" dirty="0" err="1"/>
+              <a:t>mypage</a:t>
+            </a:r>
+            <a:r>
+              <a:rPr lang="en-US" altLang="ko-KR" dirty="0"/>
+              <a:t>/{</a:t>
+            </a:r>
+            <a:r>
+              <a:rPr lang="en-US" altLang="ko-KR" dirty="0" err="1"/>
+              <a:t>userId</a:t>
+            </a:r>
+            <a:r>
+              <a:rPr lang="en-US" altLang="ko-KR" dirty="0"/>
+              <a:t>} – GET </a:t>
+            </a:r>
+            <a:r>
+              <a:rPr lang="ko-KR" altLang="en-US" dirty="0"/>
+              <a:t>마이페이지 이동</a:t>
+            </a:r>
+            <a:endParaRPr lang="en-US" altLang="ko-KR" dirty="0"/>
+          </a:p>
+          <a:p>
+            <a:endParaRPr lang="en-US" altLang="ko-KR" dirty="0"/>
+          </a:p>
+          <a:p>
+            <a:r>
+              <a:rPr lang="en-US" altLang="ko-KR" dirty="0"/>
+              <a:t>/admin – GET </a:t>
+            </a:r>
+            <a:r>
+              <a:rPr lang="ko-KR" altLang="en-US" dirty="0"/>
+              <a:t>관리자 페이지 이동</a:t>
+            </a:r>
+            <a:endParaRPr lang="en-US" altLang="ko-KR" dirty="0"/>
+          </a:p>
+          <a:p>
+            <a:r>
+              <a:rPr lang="en-US" altLang="ko-KR" dirty="0"/>
+              <a:t>/admin/café/register – POST </a:t>
+            </a:r>
+            <a:r>
+              <a:rPr lang="ko-KR" altLang="en-US" dirty="0"/>
+              <a:t>카페 등록</a:t>
+            </a:r>
+            <a:endParaRPr lang="en-US" altLang="ko-KR" dirty="0"/>
+          </a:p>
+          <a:p>
+            <a:r>
+              <a:rPr lang="en-US" altLang="ko-KR" dirty="0"/>
+              <a:t>/admin/café/modify – POST</a:t>
+            </a:r>
+            <a:r>
+              <a:rPr lang="ko-KR" altLang="en-US" dirty="0"/>
+              <a:t> 카페 수정</a:t>
+            </a:r>
+            <a:endParaRPr lang="en-US" altLang="ko-KR" dirty="0"/>
+          </a:p>
+          <a:p>
+            <a:r>
+              <a:rPr lang="en-US" altLang="ko-KR" dirty="0"/>
+              <a:t>/admin/café/remove</a:t>
+            </a:r>
+            <a:r>
+              <a:rPr lang="ko-KR" altLang="en-US" dirty="0"/>
+              <a:t> </a:t>
+            </a:r>
+            <a:r>
+              <a:rPr lang="en-US" altLang="ko-KR" dirty="0"/>
+              <a:t>–</a:t>
+            </a:r>
+            <a:r>
+              <a:rPr lang="ko-KR" altLang="en-US" dirty="0"/>
+              <a:t> </a:t>
+            </a:r>
+            <a:r>
+              <a:rPr lang="en-US" altLang="ko-KR" dirty="0"/>
+              <a:t>POST</a:t>
+            </a:r>
+            <a:r>
+              <a:rPr lang="ko-KR" altLang="en-US" dirty="0"/>
+              <a:t> 카페 삭제</a:t>
+            </a:r>
+            <a:endParaRPr lang="en-US" altLang="ko-KR" dirty="0"/>
+          </a:p>
+          <a:p>
+            <a:endParaRPr lang="ko-KR" altLang="en-US" dirty="0"/>
+          </a:p>
+        </p:txBody>
+      </p:sp>
+      <p:sp>
+        <p:nvSpPr>
+          <p:cNvPr id="5" name="TextBox 4">
+            <a:extLst>
+              <a:ext uri="{FF2B5EF4-FFF2-40B4-BE49-F238E27FC236}">
+                <a16:creationId xmlns:a16="http://schemas.microsoft.com/office/drawing/2014/main" id="{3D929F65-1C85-16BC-7BC9-3ED7743FC3F4}"/>
+              </a:ext>
+            </a:extLst>
+          </p:cNvPr>
+          <p:cNvSpPr txBox="1"/>
+          <p:nvPr/>
+        </p:nvSpPr>
+        <p:spPr>
+          <a:xfrm>
+            <a:off x="7872549" y="609600"/>
+            <a:ext cx="3165767" cy="1477328"/>
+          </a:xfrm>
+          <a:prstGeom prst="rect">
+            <a:avLst/>
+          </a:prstGeom>
+          <a:noFill/>
+        </p:spPr>
+        <p:txBody>
+          <a:bodyPr wrap="square" rtlCol="0">
+            <a:spAutoFit/>
+          </a:bodyPr>
+          <a:lstStyle/>
+          <a:p>
+            <a:r>
+              <a:rPr lang="ko-KR" altLang="en-US" dirty="0"/>
+              <a:t>카페 정보 수정요청</a:t>
+            </a:r>
+            <a:endParaRPr lang="en-US" altLang="ko-KR" dirty="0"/>
+          </a:p>
+          <a:p>
+            <a:pPr lvl="1"/>
+            <a:r>
+              <a:rPr lang="ko-KR" altLang="en-US" dirty="0"/>
+              <a:t>정보 수정</a:t>
+            </a:r>
+            <a:r>
+              <a:rPr lang="en-US" altLang="ko-KR" dirty="0"/>
+              <a:t>/</a:t>
+            </a:r>
+            <a:r>
+              <a:rPr lang="ko-KR" altLang="en-US" dirty="0"/>
+              <a:t>폐업 신고</a:t>
+            </a:r>
+            <a:endParaRPr lang="en-US" altLang="ko-KR" dirty="0"/>
+          </a:p>
+          <a:p>
+            <a:pPr lvl="1"/>
+            <a:r>
+              <a:rPr lang="ko-KR" altLang="en-US" dirty="0"/>
+              <a:t>신규 카페 등록</a:t>
+            </a:r>
+            <a:endParaRPr lang="en-US" altLang="ko-KR" dirty="0"/>
+          </a:p>
+          <a:p>
+            <a:endParaRPr lang="en-US" altLang="ko-KR" dirty="0"/>
+          </a:p>
+          <a:p>
+            <a:r>
+              <a:rPr lang="ko-KR" altLang="en-US" dirty="0"/>
+              <a:t>카페</a:t>
+            </a:r>
+            <a:r>
+              <a:rPr lang="en-US" altLang="ko-KR" dirty="0"/>
+              <a:t> </a:t>
+            </a:r>
+            <a:r>
+              <a:rPr lang="ko-KR" altLang="en-US" dirty="0"/>
+              <a:t>등록 화면</a:t>
+            </a:r>
+          </a:p>
+        </p:txBody>
+      </p:sp>
+      <p:sp>
+        <p:nvSpPr>
+          <p:cNvPr id="6" name="TextBox 5">
+            <a:extLst>
+              <a:ext uri="{FF2B5EF4-FFF2-40B4-BE49-F238E27FC236}">
+                <a16:creationId xmlns:a16="http://schemas.microsoft.com/office/drawing/2014/main" id="{53C6711A-77D4-107B-DA40-3C6008C083F2}"/>
+              </a:ext>
+            </a:extLst>
+          </p:cNvPr>
+          <p:cNvSpPr txBox="1"/>
+          <p:nvPr/>
+        </p:nvSpPr>
+        <p:spPr>
+          <a:xfrm>
+            <a:off x="8684643" y="3546558"/>
+            <a:ext cx="1733167" cy="646331"/>
+          </a:xfrm>
+          <a:prstGeom prst="rect">
+            <a:avLst/>
+          </a:prstGeom>
+          <a:noFill/>
+        </p:spPr>
+        <p:txBody>
+          <a:bodyPr wrap="none" rtlCol="0">
+            <a:spAutoFit/>
+          </a:bodyPr>
+          <a:lstStyle/>
+          <a:p>
+            <a:r>
+              <a:rPr lang="en-US" altLang="ko-KR" dirty="0"/>
+              <a:t>ADMIN </a:t>
+            </a:r>
+            <a:r>
+              <a:rPr lang="ko-KR" altLang="en-US" dirty="0"/>
+              <a:t>기능</a:t>
+            </a:r>
+            <a:endParaRPr lang="en-US" altLang="ko-KR" dirty="0"/>
+          </a:p>
+          <a:p>
+            <a:r>
+              <a:rPr lang="ko-KR" altLang="en-US" dirty="0"/>
+              <a:t>유저 권한 조정</a:t>
+            </a:r>
+          </a:p>
+        </p:txBody>
+      </p:sp>
+    </p:spTree>
+    <p:extLst>
+      <p:ext uri="{BB962C8B-B14F-4D97-AF65-F5344CB8AC3E}">
+        <p14:creationId xmlns:p14="http://schemas.microsoft.com/office/powerpoint/2010/main" val="3079445686"/>
+      </p:ext>
+    </p:extLst>
+  </p:cSld>
+  <p:clrMapOvr>
+    <a:masterClrMapping/>
+  </p:clrMapOvr>
+</p:sld>
+</file>
+
+<file path=ppt/slides/slide8.xml><?xml version="1.0" encoding="utf-8"?>
+<p:sld xmlns:a="http://schemas.openxmlformats.org/drawingml/2006/main" xmlns:r="http://schemas.openxmlformats.org/officeDocument/2006/relationships" xmlns:p="http://schemas.openxmlformats.org/presentationml/2006/main">
+  <p:cSld>
+    <p:spTree>
+      <p:nvGrpSpPr>
+        <p:cNvPr id="1" name=""/>
+        <p:cNvGrpSpPr/>
+        <p:nvPr/>
+      </p:nvGrpSpPr>
+      <p:grpSpPr>
+        <a:xfrm>
+          <a:off x="0" y="0"/>
+          <a:ext cx="0" cy="0"/>
+          <a:chOff x="0" y="0"/>
+          <a:chExt cx="0" cy="0"/>
+        </a:xfrm>
+      </p:grpSpPr>
+      <p:sp>
+        <p:nvSpPr>
+          <p:cNvPr id="4" name="직사각형 3">
+            <a:extLst>
+              <a:ext uri="{FF2B5EF4-FFF2-40B4-BE49-F238E27FC236}">
+                <a16:creationId xmlns:a16="http://schemas.microsoft.com/office/drawing/2014/main" id="{688AC8EC-B6F6-537D-817D-687C1CA2E429}"/>
+              </a:ext>
+            </a:extLst>
+          </p:cNvPr>
+          <p:cNvSpPr/>
+          <p:nvPr/>
+        </p:nvSpPr>
+        <p:spPr>
+          <a:xfrm>
+            <a:off x="2164360" y="655862"/>
+            <a:ext cx="4135772" cy="268665"/>
+          </a:xfrm>
+          <a:prstGeom prst="rect">
+            <a:avLst/>
+          </a:prstGeom>
+        </p:spPr>
+        <p:style>
+          <a:lnRef idx="2">
+            <a:schemeClr val="dk1"/>
+          </a:lnRef>
+          <a:fillRef idx="1">
+            <a:schemeClr val="lt1"/>
+          </a:fillRef>
+          <a:effectRef idx="0">
+            <a:schemeClr val="dk1"/>
+          </a:effectRef>
+          <a:fontRef idx="minor">
+            <a:schemeClr val="dk1"/>
+          </a:fontRef>
+        </p:style>
+        <p:txBody>
+          <a:bodyPr rtlCol="0" anchor="ctr"/>
+          <a:lstStyle/>
+          <a:p>
+            <a:pPr algn="ctr"/>
+            <a:endParaRPr lang="ko-KR" altLang="en-US"/>
+          </a:p>
+        </p:txBody>
+      </p:sp>
+      <p:sp>
+        <p:nvSpPr>
+          <p:cNvPr id="5" name="TextBox 4">
+            <a:extLst>
+              <a:ext uri="{FF2B5EF4-FFF2-40B4-BE49-F238E27FC236}">
+                <a16:creationId xmlns:a16="http://schemas.microsoft.com/office/drawing/2014/main" id="{961E3B17-4576-48F7-BAC6-C9609194B81B}"/>
+              </a:ext>
+            </a:extLst>
+          </p:cNvPr>
+          <p:cNvSpPr txBox="1"/>
+          <p:nvPr/>
+        </p:nvSpPr>
+        <p:spPr>
+          <a:xfrm>
+            <a:off x="1166070" y="609614"/>
+            <a:ext cx="877163" cy="369332"/>
+          </a:xfrm>
+          <a:prstGeom prst="rect">
+            <a:avLst/>
+          </a:prstGeom>
+          <a:noFill/>
+        </p:spPr>
+        <p:txBody>
+          <a:bodyPr wrap="none" rtlCol="0">
+            <a:spAutoFit/>
+          </a:bodyPr>
+          <a:lstStyle/>
+          <a:p>
+            <a:r>
+              <a:rPr lang="ko-KR" altLang="en-US" dirty="0" err="1"/>
+              <a:t>카페명</a:t>
+            </a:r>
+            <a:endParaRPr lang="ko-KR" altLang="en-US" dirty="0"/>
+          </a:p>
+        </p:txBody>
+      </p:sp>
+      <p:sp>
+        <p:nvSpPr>
+          <p:cNvPr id="6" name="직사각형 5">
+            <a:extLst>
+              <a:ext uri="{FF2B5EF4-FFF2-40B4-BE49-F238E27FC236}">
+                <a16:creationId xmlns:a16="http://schemas.microsoft.com/office/drawing/2014/main" id="{1485411D-D650-7C1E-775A-E0E5FE54FFBA}"/>
+              </a:ext>
+            </a:extLst>
+          </p:cNvPr>
+          <p:cNvSpPr/>
+          <p:nvPr/>
+        </p:nvSpPr>
+        <p:spPr>
+          <a:xfrm>
+            <a:off x="2190925" y="1034765"/>
+            <a:ext cx="4135772" cy="268665"/>
+          </a:xfrm>
+          <a:prstGeom prst="rect">
+            <a:avLst/>
+          </a:prstGeom>
+        </p:spPr>
+        <p:style>
+          <a:lnRef idx="2">
+            <a:schemeClr val="dk1"/>
+          </a:lnRef>
+          <a:fillRef idx="1">
+            <a:schemeClr val="lt1"/>
+          </a:fillRef>
+          <a:effectRef idx="0">
+            <a:schemeClr val="dk1"/>
+          </a:effectRef>
+          <a:fontRef idx="minor">
+            <a:schemeClr val="dk1"/>
+          </a:fontRef>
+        </p:style>
+        <p:txBody>
+          <a:bodyPr rtlCol="0" anchor="ctr"/>
+          <a:lstStyle/>
+          <a:p>
+            <a:pPr algn="ctr"/>
+            <a:endParaRPr lang="ko-KR" altLang="en-US"/>
+          </a:p>
+        </p:txBody>
+      </p:sp>
+      <p:sp>
+        <p:nvSpPr>
+          <p:cNvPr id="7" name="TextBox 6">
+            <a:extLst>
+              <a:ext uri="{FF2B5EF4-FFF2-40B4-BE49-F238E27FC236}">
+                <a16:creationId xmlns:a16="http://schemas.microsoft.com/office/drawing/2014/main" id="{63BBC57D-844F-1162-ECD9-855F968AA5B7}"/>
+              </a:ext>
+            </a:extLst>
+          </p:cNvPr>
+          <p:cNvSpPr txBox="1"/>
+          <p:nvPr/>
+        </p:nvSpPr>
+        <p:spPr>
+          <a:xfrm>
+            <a:off x="1192635" y="988517"/>
+            <a:ext cx="877163" cy="369332"/>
+          </a:xfrm>
+          <a:prstGeom prst="rect">
+            <a:avLst/>
+          </a:prstGeom>
+          <a:noFill/>
+        </p:spPr>
+        <p:txBody>
+          <a:bodyPr wrap="none" rtlCol="0">
+            <a:spAutoFit/>
+          </a:bodyPr>
+          <a:lstStyle/>
+          <a:p>
+            <a:r>
+              <a:rPr lang="ko-KR" altLang="en-US" dirty="0" err="1"/>
+              <a:t>지점명</a:t>
+            </a:r>
+            <a:endParaRPr lang="ko-KR" altLang="en-US" dirty="0"/>
+          </a:p>
+        </p:txBody>
+      </p:sp>
+      <p:sp>
+        <p:nvSpPr>
+          <p:cNvPr id="8" name="직사각형 7">
+            <a:extLst>
+              <a:ext uri="{FF2B5EF4-FFF2-40B4-BE49-F238E27FC236}">
+                <a16:creationId xmlns:a16="http://schemas.microsoft.com/office/drawing/2014/main" id="{105FBFC4-E8CF-4A53-2BE0-3CC8EBCDB1A5}"/>
+              </a:ext>
+            </a:extLst>
+          </p:cNvPr>
+          <p:cNvSpPr/>
+          <p:nvPr/>
+        </p:nvSpPr>
+        <p:spPr>
+          <a:xfrm>
+            <a:off x="2200712" y="1438835"/>
+            <a:ext cx="4135772" cy="268665"/>
+          </a:xfrm>
+          <a:prstGeom prst="rect">
+            <a:avLst/>
+          </a:prstGeom>
+        </p:spPr>
+        <p:style>
+          <a:lnRef idx="2">
+            <a:schemeClr val="dk1"/>
+          </a:lnRef>
+          <a:fillRef idx="1">
+            <a:schemeClr val="lt1"/>
+          </a:fillRef>
+          <a:effectRef idx="0">
+            <a:schemeClr val="dk1"/>
+          </a:effectRef>
+          <a:fontRef idx="minor">
+            <a:schemeClr val="dk1"/>
+          </a:fontRef>
+        </p:style>
+        <p:txBody>
+          <a:bodyPr rtlCol="0" anchor="ctr"/>
+          <a:lstStyle/>
+          <a:p>
+            <a:pPr algn="ctr"/>
+            <a:endParaRPr lang="ko-KR" altLang="en-US"/>
+          </a:p>
+        </p:txBody>
+      </p:sp>
+      <p:sp>
+        <p:nvSpPr>
+          <p:cNvPr id="9" name="TextBox 8">
+            <a:extLst>
+              <a:ext uri="{FF2B5EF4-FFF2-40B4-BE49-F238E27FC236}">
+                <a16:creationId xmlns:a16="http://schemas.microsoft.com/office/drawing/2014/main" id="{5F15F512-57BE-3D68-A6A2-0866A2376C4B}"/>
+              </a:ext>
+            </a:extLst>
+          </p:cNvPr>
+          <p:cNvSpPr txBox="1"/>
+          <p:nvPr/>
+        </p:nvSpPr>
+        <p:spPr>
+          <a:xfrm>
+            <a:off x="1202422" y="1392587"/>
+            <a:ext cx="646331" cy="369332"/>
+          </a:xfrm>
+          <a:prstGeom prst="rect">
+            <a:avLst/>
+          </a:prstGeom>
+          <a:noFill/>
+        </p:spPr>
+        <p:txBody>
+          <a:bodyPr wrap="none" rtlCol="0">
+            <a:spAutoFit/>
+          </a:bodyPr>
+          <a:lstStyle/>
+          <a:p>
+            <a:r>
+              <a:rPr lang="ko-KR" altLang="en-US" dirty="0"/>
+              <a:t>주소</a:t>
+            </a:r>
+          </a:p>
+        </p:txBody>
+      </p:sp>
+      <p:sp>
+        <p:nvSpPr>
+          <p:cNvPr id="10" name="직사각형 9">
+            <a:extLst>
+              <a:ext uri="{FF2B5EF4-FFF2-40B4-BE49-F238E27FC236}">
+                <a16:creationId xmlns:a16="http://schemas.microsoft.com/office/drawing/2014/main" id="{B226F1BB-A007-118F-F298-BF2972D1F844}"/>
+              </a:ext>
+            </a:extLst>
+          </p:cNvPr>
+          <p:cNvSpPr/>
+          <p:nvPr/>
+        </p:nvSpPr>
+        <p:spPr>
+          <a:xfrm>
+            <a:off x="2210499" y="2180950"/>
+            <a:ext cx="4135772" cy="268665"/>
+          </a:xfrm>
+          <a:prstGeom prst="rect">
+            <a:avLst/>
+          </a:prstGeom>
+        </p:spPr>
+        <p:style>
+          <a:lnRef idx="2">
+            <a:schemeClr val="dk1"/>
+          </a:lnRef>
+          <a:fillRef idx="1">
+            <a:schemeClr val="lt1"/>
+          </a:fillRef>
+          <a:effectRef idx="0">
+            <a:schemeClr val="dk1"/>
+          </a:effectRef>
+          <a:fontRef idx="minor">
+            <a:schemeClr val="dk1"/>
+          </a:fontRef>
+        </p:style>
+        <p:txBody>
+          <a:bodyPr rtlCol="0" anchor="ctr"/>
+          <a:lstStyle/>
+          <a:p>
+            <a:pPr algn="ctr"/>
+            <a:endParaRPr lang="ko-KR" altLang="en-US"/>
+          </a:p>
+        </p:txBody>
+      </p:sp>
+      <p:sp>
+        <p:nvSpPr>
+          <p:cNvPr id="11" name="TextBox 10">
+            <a:extLst>
+              <a:ext uri="{FF2B5EF4-FFF2-40B4-BE49-F238E27FC236}">
+                <a16:creationId xmlns:a16="http://schemas.microsoft.com/office/drawing/2014/main" id="{683E2C82-142F-3BE8-4379-CEA3F73B3FB8}"/>
+              </a:ext>
+            </a:extLst>
+          </p:cNvPr>
+          <p:cNvSpPr txBox="1"/>
+          <p:nvPr/>
+        </p:nvSpPr>
+        <p:spPr>
+          <a:xfrm>
+            <a:off x="910205" y="2143409"/>
+            <a:ext cx="1199367" cy="369332"/>
+          </a:xfrm>
+          <a:prstGeom prst="rect">
+            <a:avLst/>
+          </a:prstGeom>
+          <a:noFill/>
+        </p:spPr>
+        <p:txBody>
+          <a:bodyPr wrap="none" rtlCol="0">
+            <a:spAutoFit/>
+          </a:bodyPr>
+          <a:lstStyle/>
+          <a:p>
+            <a:r>
+              <a:rPr lang="ko-KR" altLang="en-US" dirty="0"/>
+              <a:t>위도</a:t>
+            </a:r>
+            <a:r>
+              <a:rPr lang="en-US" altLang="ko-KR" dirty="0"/>
+              <a:t>/</a:t>
+            </a:r>
+            <a:r>
+              <a:rPr lang="ko-KR" altLang="en-US" dirty="0"/>
+              <a:t>경도</a:t>
+            </a:r>
+          </a:p>
+        </p:txBody>
+      </p:sp>
+      <p:sp>
+        <p:nvSpPr>
+          <p:cNvPr id="12" name="직사각형 11">
+            <a:extLst>
+              <a:ext uri="{FF2B5EF4-FFF2-40B4-BE49-F238E27FC236}">
+                <a16:creationId xmlns:a16="http://schemas.microsoft.com/office/drawing/2014/main" id="{5CA93026-17C2-40E2-6D15-A847B9917898}"/>
+              </a:ext>
+            </a:extLst>
+          </p:cNvPr>
+          <p:cNvSpPr/>
+          <p:nvPr/>
+        </p:nvSpPr>
+        <p:spPr>
+          <a:xfrm>
+            <a:off x="910204" y="2713650"/>
+            <a:ext cx="5436067" cy="3657600"/>
+          </a:xfrm>
+          <a:prstGeom prst="rect">
+            <a:avLst/>
+          </a:prstGeom>
+        </p:spPr>
+        <p:style>
+          <a:lnRef idx="2">
+            <a:schemeClr val="dk1"/>
+          </a:lnRef>
+          <a:fillRef idx="1">
+            <a:schemeClr val="lt1"/>
+          </a:fillRef>
+          <a:effectRef idx="0">
+            <a:schemeClr val="dk1"/>
+          </a:effectRef>
+          <a:fontRef idx="minor">
+            <a:schemeClr val="dk1"/>
+          </a:fontRef>
+        </p:style>
+        <p:txBody>
+          <a:bodyPr rtlCol="0" anchor="ctr"/>
+          <a:lstStyle/>
+          <a:p>
+            <a:pPr algn="ctr"/>
+            <a:r>
+              <a:rPr lang="ko-KR" altLang="en-US" dirty="0"/>
+              <a:t>지도</a:t>
+            </a:r>
+          </a:p>
+        </p:txBody>
+      </p:sp>
+      <p:sp>
+        <p:nvSpPr>
+          <p:cNvPr id="13" name="TextBox 12">
+            <a:extLst>
+              <a:ext uri="{FF2B5EF4-FFF2-40B4-BE49-F238E27FC236}">
+                <a16:creationId xmlns:a16="http://schemas.microsoft.com/office/drawing/2014/main" id="{99990D4B-FA5D-8A67-A020-8F1E16BB884D}"/>
+              </a:ext>
+            </a:extLst>
+          </p:cNvPr>
+          <p:cNvSpPr txBox="1"/>
+          <p:nvPr/>
+        </p:nvSpPr>
+        <p:spPr>
+          <a:xfrm>
+            <a:off x="3305071" y="6485961"/>
+            <a:ext cx="646331" cy="369332"/>
+          </a:xfrm>
+          <a:prstGeom prst="rect">
+            <a:avLst/>
+          </a:prstGeom>
+          <a:noFill/>
+        </p:spPr>
+        <p:txBody>
+          <a:bodyPr wrap="none" rtlCol="0">
+            <a:spAutoFit/>
+          </a:bodyPr>
+          <a:lstStyle/>
+          <a:p>
+            <a:r>
+              <a:rPr lang="ko-KR" altLang="en-US"/>
+              <a:t>등록</a:t>
+            </a:r>
+          </a:p>
+        </p:txBody>
+      </p:sp>
+      <p:sp>
+        <p:nvSpPr>
+          <p:cNvPr id="14" name="TextBox 13">
+            <a:extLst>
+              <a:ext uri="{FF2B5EF4-FFF2-40B4-BE49-F238E27FC236}">
+                <a16:creationId xmlns:a16="http://schemas.microsoft.com/office/drawing/2014/main" id="{8FC8A9F7-5ADE-7E96-067C-4E51AE1E25F8}"/>
+              </a:ext>
+            </a:extLst>
+          </p:cNvPr>
+          <p:cNvSpPr txBox="1"/>
+          <p:nvPr/>
+        </p:nvSpPr>
+        <p:spPr>
+          <a:xfrm>
+            <a:off x="6853646" y="571796"/>
+            <a:ext cx="5520999" cy="1477328"/>
+          </a:xfrm>
+          <a:prstGeom prst="rect">
+            <a:avLst/>
+          </a:prstGeom>
+          <a:noFill/>
+        </p:spPr>
+        <p:txBody>
+          <a:bodyPr wrap="none" rtlCol="0">
+            <a:spAutoFit/>
+          </a:bodyPr>
+          <a:lstStyle/>
+          <a:p>
+            <a:r>
+              <a:rPr lang="ko-KR" altLang="en-US" dirty="0"/>
+              <a:t>일반 사용자의 경우 </a:t>
+            </a:r>
+            <a:r>
+              <a:rPr lang="en-US" altLang="ko-KR" dirty="0" err="1"/>
+              <a:t>café_request</a:t>
+            </a:r>
+            <a:r>
+              <a:rPr lang="ko-KR" altLang="en-US" dirty="0"/>
+              <a:t>에 요청사항 수록  </a:t>
+            </a:r>
+            <a:endParaRPr lang="en-US" altLang="ko-KR" dirty="0"/>
+          </a:p>
+          <a:p>
+            <a:r>
+              <a:rPr lang="en-US" altLang="ko-KR" dirty="0"/>
+              <a:t>Café </a:t>
+            </a:r>
+            <a:r>
+              <a:rPr lang="ko-KR" altLang="en-US" dirty="0"/>
+              <a:t>테이블에 </a:t>
+            </a:r>
+            <a:r>
+              <a:rPr lang="en-US" altLang="ko-KR" dirty="0"/>
+              <a:t>request </a:t>
+            </a:r>
+            <a:r>
+              <a:rPr lang="ko-KR" altLang="en-US" dirty="0"/>
+              <a:t>상태로 저장</a:t>
+            </a:r>
+            <a:endParaRPr lang="en-US" altLang="ko-KR" dirty="0"/>
+          </a:p>
+          <a:p>
+            <a:endParaRPr lang="en-US" altLang="ko-KR" dirty="0"/>
+          </a:p>
+          <a:p>
+            <a:r>
+              <a:rPr lang="ko-KR" altLang="en-US" dirty="0"/>
+              <a:t>관리자의 경우</a:t>
+            </a:r>
+            <a:endParaRPr lang="en-US" altLang="ko-KR" dirty="0"/>
+          </a:p>
+          <a:p>
+            <a:r>
+              <a:rPr lang="en-US" altLang="ko-KR" dirty="0"/>
+              <a:t>Café </a:t>
+            </a:r>
+            <a:r>
+              <a:rPr lang="ko-KR" altLang="en-US" dirty="0"/>
+              <a:t>테이블에 </a:t>
+            </a:r>
+            <a:r>
+              <a:rPr lang="en-US" altLang="ko-KR" dirty="0"/>
+              <a:t>open </a:t>
+            </a:r>
+            <a:r>
+              <a:rPr lang="ko-KR" altLang="en-US" dirty="0"/>
+              <a:t>상태로 바로 저장</a:t>
+            </a:r>
+            <a:endParaRPr lang="en-US" altLang="ko-KR" dirty="0"/>
+          </a:p>
+        </p:txBody>
+      </p:sp>
+      <p:sp>
+        <p:nvSpPr>
+          <p:cNvPr id="15" name="직사각형 14">
+            <a:extLst>
+              <a:ext uri="{FF2B5EF4-FFF2-40B4-BE49-F238E27FC236}">
+                <a16:creationId xmlns:a16="http://schemas.microsoft.com/office/drawing/2014/main" id="{FEE16708-F8E9-F5D5-D515-9C9013328192}"/>
+              </a:ext>
+            </a:extLst>
+          </p:cNvPr>
+          <p:cNvSpPr/>
+          <p:nvPr/>
+        </p:nvSpPr>
+        <p:spPr>
+          <a:xfrm>
+            <a:off x="2197434" y="1828252"/>
+            <a:ext cx="4135772" cy="268665"/>
+          </a:xfrm>
+          <a:prstGeom prst="rect">
+            <a:avLst/>
+          </a:prstGeom>
+          <a:ln>
+            <a:solidFill>
+              <a:schemeClr val="bg1">
+                <a:lumMod val="75000"/>
+              </a:schemeClr>
+            </a:solidFill>
+          </a:ln>
+        </p:spPr>
+        <p:style>
+          <a:lnRef idx="2">
+            <a:schemeClr val="dk1"/>
+          </a:lnRef>
+          <a:fillRef idx="1">
+            <a:schemeClr val="lt1"/>
+          </a:fillRef>
+          <a:effectRef idx="0">
+            <a:schemeClr val="dk1"/>
+          </a:effectRef>
+          <a:fontRef idx="minor">
+            <a:schemeClr val="dk1"/>
+          </a:fontRef>
+        </p:style>
+        <p:txBody>
+          <a:bodyPr rtlCol="0" anchor="ctr"/>
+          <a:lstStyle/>
+          <a:p>
+            <a:pPr algn="ctr"/>
+            <a:endParaRPr lang="ko-KR" altLang="en-US">
+              <a:solidFill>
+                <a:schemeClr val="bg1">
+                  <a:lumMod val="75000"/>
+                </a:schemeClr>
+              </a:solidFill>
+            </a:endParaRPr>
+          </a:p>
+        </p:txBody>
+      </p:sp>
+      <p:sp>
+        <p:nvSpPr>
+          <p:cNvPr id="16" name="TextBox 15">
+            <a:extLst>
+              <a:ext uri="{FF2B5EF4-FFF2-40B4-BE49-F238E27FC236}">
+                <a16:creationId xmlns:a16="http://schemas.microsoft.com/office/drawing/2014/main" id="{99B2D791-0AE7-5518-3CB6-DDAF6FFB5FFC}"/>
+              </a:ext>
+            </a:extLst>
+          </p:cNvPr>
+          <p:cNvSpPr txBox="1"/>
+          <p:nvPr/>
+        </p:nvSpPr>
+        <p:spPr>
+          <a:xfrm>
+            <a:off x="949394" y="1790711"/>
+            <a:ext cx="1107996" cy="369332"/>
+          </a:xfrm>
+          <a:prstGeom prst="rect">
+            <a:avLst/>
+          </a:prstGeom>
+          <a:noFill/>
+        </p:spPr>
+        <p:txBody>
+          <a:bodyPr wrap="none" rtlCol="0">
+            <a:spAutoFit/>
+          </a:bodyPr>
+          <a:lstStyle/>
+          <a:p>
+            <a:r>
+              <a:rPr lang="ko-KR" altLang="en-US" dirty="0">
+                <a:solidFill>
+                  <a:schemeClr val="bg1">
+                    <a:lumMod val="75000"/>
+                  </a:schemeClr>
+                </a:solidFill>
+              </a:rPr>
+              <a:t>요청내용</a:t>
+            </a:r>
+          </a:p>
+        </p:txBody>
+      </p:sp>
+      <p:sp>
+        <p:nvSpPr>
+          <p:cNvPr id="17" name="TextBox 16">
+            <a:extLst>
+              <a:ext uri="{FF2B5EF4-FFF2-40B4-BE49-F238E27FC236}">
+                <a16:creationId xmlns:a16="http://schemas.microsoft.com/office/drawing/2014/main" id="{780D8162-6B1A-4EBB-5ACB-DC2B47B557C1}"/>
+              </a:ext>
+            </a:extLst>
+          </p:cNvPr>
+          <p:cNvSpPr txBox="1"/>
+          <p:nvPr/>
+        </p:nvSpPr>
+        <p:spPr>
+          <a:xfrm>
+            <a:off x="2761652" y="234471"/>
+            <a:ext cx="1733167" cy="369332"/>
+          </a:xfrm>
+          <a:prstGeom prst="rect">
+            <a:avLst/>
+          </a:prstGeom>
+          <a:noFill/>
+        </p:spPr>
+        <p:txBody>
+          <a:bodyPr wrap="none" rtlCol="0">
+            <a:spAutoFit/>
+          </a:bodyPr>
+          <a:lstStyle/>
+          <a:p>
+            <a:r>
+              <a:rPr lang="ko-KR" altLang="en-US" dirty="0"/>
+              <a:t>신규 카페 등록</a:t>
+            </a:r>
+          </a:p>
+        </p:txBody>
+      </p:sp>
+    </p:spTree>
+    <p:extLst>
+      <p:ext uri="{BB962C8B-B14F-4D97-AF65-F5344CB8AC3E}">
+        <p14:creationId xmlns:p14="http://schemas.microsoft.com/office/powerpoint/2010/main" val="3524573737"/>
+      </p:ext>
+    </p:extLst>
+  </p:cSld>
+  <p:clrMapOvr>
+    <a:masterClrMapping/>
+  </p:clrMapOvr>
+</p:sld>
+</file>
+
+<file path=ppt/slides/slide9.xml><?xml version="1.0" encoding="utf-8"?>
+<p:sld xmlns:a="http://schemas.openxmlformats.org/drawingml/2006/main" xmlns:r="http://schemas.openxmlformats.org/officeDocument/2006/relationships" xmlns:p="http://schemas.openxmlformats.org/presentationml/2006/main">
+  <p:cSld>
+    <p:spTree>
+      <p:nvGrpSpPr>
+        <p:cNvPr id="1" name=""/>
+        <p:cNvGrpSpPr/>
+        <p:nvPr/>
+      </p:nvGrpSpPr>
+      <p:grpSpPr>
+        <a:xfrm>
+          <a:off x="0" y="0"/>
+          <a:ext cx="0" cy="0"/>
+          <a:chOff x="0" y="0"/>
+          <a:chExt cx="0" cy="0"/>
+        </a:xfrm>
+      </p:grpSpPr>
+      <p:sp>
+        <p:nvSpPr>
+          <p:cNvPr id="4" name="TextBox 3">
+            <a:extLst>
+              <a:ext uri="{FF2B5EF4-FFF2-40B4-BE49-F238E27FC236}">
+                <a16:creationId xmlns:a16="http://schemas.microsoft.com/office/drawing/2014/main" id="{3F15AB51-2505-2ACB-6D65-5643B9E7F052}"/>
+              </a:ext>
+            </a:extLst>
+          </p:cNvPr>
+          <p:cNvSpPr txBox="1"/>
+          <p:nvPr/>
+        </p:nvSpPr>
+        <p:spPr>
+          <a:xfrm>
+            <a:off x="872455" y="738231"/>
+            <a:ext cx="1420582" cy="369332"/>
+          </a:xfrm>
+          <a:prstGeom prst="rect">
+            <a:avLst/>
+          </a:prstGeom>
+          <a:noFill/>
+        </p:spPr>
+        <p:txBody>
+          <a:bodyPr wrap="none" rtlCol="0">
+            <a:spAutoFit/>
+          </a:bodyPr>
+          <a:lstStyle/>
+          <a:p>
+            <a:r>
+              <a:rPr lang="ko-KR" altLang="en-US" dirty="0"/>
+              <a:t>관리자 화면</a:t>
+            </a:r>
+          </a:p>
+        </p:txBody>
+      </p:sp>
+    </p:spTree>
+    <p:extLst>
+      <p:ext uri="{BB962C8B-B14F-4D97-AF65-F5344CB8AC3E}">
+        <p14:creationId xmlns:p14="http://schemas.microsoft.com/office/powerpoint/2010/main" val="1017364719"/>
       </p:ext>
     </p:extLst>
   </p:cSld>

--- a/카페를 방랑하는 카공족을 위한 안내서.pptx
+++ b/카페를 방랑하는 카공족을 위한 안내서.pptx
@@ -267,7 +267,7 @@
           <a:p>
             <a:fld id="{39F3BBBB-9D68-4BC1-A7E3-76885AE8F234}" type="datetimeFigureOut">
               <a:rPr lang="ko-KR" altLang="en-US" smtClean="0"/>
-              <a:t>2023-04-28</a:t>
+              <a:t>2023-04-29</a:t>
             </a:fld>
             <a:endParaRPr lang="ko-KR" altLang="en-US"/>
           </a:p>
@@ -465,7 +465,7 @@
           <a:p>
             <a:fld id="{39F3BBBB-9D68-4BC1-A7E3-76885AE8F234}" type="datetimeFigureOut">
               <a:rPr lang="ko-KR" altLang="en-US" smtClean="0"/>
-              <a:t>2023-04-28</a:t>
+              <a:t>2023-04-29</a:t>
             </a:fld>
             <a:endParaRPr lang="ko-KR" altLang="en-US"/>
           </a:p>
@@ -673,7 +673,7 @@
           <a:p>
             <a:fld id="{39F3BBBB-9D68-4BC1-A7E3-76885AE8F234}" type="datetimeFigureOut">
               <a:rPr lang="ko-KR" altLang="en-US" smtClean="0"/>
-              <a:t>2023-04-28</a:t>
+              <a:t>2023-04-29</a:t>
             </a:fld>
             <a:endParaRPr lang="ko-KR" altLang="en-US"/>
           </a:p>
@@ -871,7 +871,7 @@
           <a:p>
             <a:fld id="{39F3BBBB-9D68-4BC1-A7E3-76885AE8F234}" type="datetimeFigureOut">
               <a:rPr lang="ko-KR" altLang="en-US" smtClean="0"/>
-              <a:t>2023-04-28</a:t>
+              <a:t>2023-04-29</a:t>
             </a:fld>
             <a:endParaRPr lang="ko-KR" altLang="en-US"/>
           </a:p>
@@ -1146,7 +1146,7 @@
           <a:p>
             <a:fld id="{39F3BBBB-9D68-4BC1-A7E3-76885AE8F234}" type="datetimeFigureOut">
               <a:rPr lang="ko-KR" altLang="en-US" smtClean="0"/>
-              <a:t>2023-04-28</a:t>
+              <a:t>2023-04-29</a:t>
             </a:fld>
             <a:endParaRPr lang="ko-KR" altLang="en-US"/>
           </a:p>
@@ -1411,7 +1411,7 @@
           <a:p>
             <a:fld id="{39F3BBBB-9D68-4BC1-A7E3-76885AE8F234}" type="datetimeFigureOut">
               <a:rPr lang="ko-KR" altLang="en-US" smtClean="0"/>
-              <a:t>2023-04-28</a:t>
+              <a:t>2023-04-29</a:t>
             </a:fld>
             <a:endParaRPr lang="ko-KR" altLang="en-US"/>
           </a:p>
@@ -1823,7 +1823,7 @@
           <a:p>
             <a:fld id="{39F3BBBB-9D68-4BC1-A7E3-76885AE8F234}" type="datetimeFigureOut">
               <a:rPr lang="ko-KR" altLang="en-US" smtClean="0"/>
-              <a:t>2023-04-28</a:t>
+              <a:t>2023-04-29</a:t>
             </a:fld>
             <a:endParaRPr lang="ko-KR" altLang="en-US"/>
           </a:p>
@@ -1964,7 +1964,7 @@
           <a:p>
             <a:fld id="{39F3BBBB-9D68-4BC1-A7E3-76885AE8F234}" type="datetimeFigureOut">
               <a:rPr lang="ko-KR" altLang="en-US" smtClean="0"/>
-              <a:t>2023-04-28</a:t>
+              <a:t>2023-04-29</a:t>
             </a:fld>
             <a:endParaRPr lang="ko-KR" altLang="en-US"/>
           </a:p>
@@ -2077,7 +2077,7 @@
           <a:p>
             <a:fld id="{39F3BBBB-9D68-4BC1-A7E3-76885AE8F234}" type="datetimeFigureOut">
               <a:rPr lang="ko-KR" altLang="en-US" smtClean="0"/>
-              <a:t>2023-04-28</a:t>
+              <a:t>2023-04-29</a:t>
             </a:fld>
             <a:endParaRPr lang="ko-KR" altLang="en-US"/>
           </a:p>
@@ -2388,7 +2388,7 @@
           <a:p>
             <a:fld id="{39F3BBBB-9D68-4BC1-A7E3-76885AE8F234}" type="datetimeFigureOut">
               <a:rPr lang="ko-KR" altLang="en-US" smtClean="0"/>
-              <a:t>2023-04-28</a:t>
+              <a:t>2023-04-29</a:t>
             </a:fld>
             <a:endParaRPr lang="ko-KR" altLang="en-US"/>
           </a:p>
@@ -2676,7 +2676,7 @@
           <a:p>
             <a:fld id="{39F3BBBB-9D68-4BC1-A7E3-76885AE8F234}" type="datetimeFigureOut">
               <a:rPr lang="ko-KR" altLang="en-US" smtClean="0"/>
-              <a:t>2023-04-28</a:t>
+              <a:t>2023-04-29</a:t>
             </a:fld>
             <a:endParaRPr lang="ko-KR" altLang="en-US"/>
           </a:p>
@@ -2917,7 +2917,7 @@
           <a:p>
             <a:fld id="{39F3BBBB-9D68-4BC1-A7E3-76885AE8F234}" type="datetimeFigureOut">
               <a:rPr lang="ko-KR" altLang="en-US" smtClean="0"/>
-              <a:t>2023-04-28</a:t>
+              <a:t>2023-04-29</a:t>
             </a:fld>
             <a:endParaRPr lang="ko-KR" altLang="en-US"/>
           </a:p>
@@ -7132,7 +7132,10 @@
             </a:r>
           </a:p>
           <a:p>
-            <a:endParaRPr lang="en-US" altLang="ko-KR" dirty="0"/>
+            <a:r>
+              <a:rPr lang="en-US" altLang="ko-KR" dirty="0"/>
+              <a:t>Point</a:t>
+            </a:r>
           </a:p>
         </p:txBody>
       </p:sp>
@@ -7797,13 +7800,13 @@
         </p:spPr>
         <p:style>
           <a:lnRef idx="1">
-            <a:schemeClr val="accent1"/>
+            <a:schemeClr val="dk1"/>
           </a:lnRef>
           <a:fillRef idx="0">
-            <a:schemeClr val="accent1"/>
+            <a:schemeClr val="dk1"/>
           </a:fillRef>
           <a:effectRef idx="0">
-            <a:schemeClr val="accent1"/>
+            <a:schemeClr val="dk1"/>
           </a:effectRef>
           <a:fontRef idx="minor">
             <a:schemeClr val="tx1"/>
@@ -7872,13 +7875,13 @@
         </p:spPr>
         <p:style>
           <a:lnRef idx="1">
-            <a:schemeClr val="accent1"/>
+            <a:schemeClr val="dk1"/>
           </a:lnRef>
           <a:fillRef idx="0">
-            <a:schemeClr val="accent1"/>
+            <a:schemeClr val="dk1"/>
           </a:fillRef>
           <a:effectRef idx="0">
-            <a:schemeClr val="accent1"/>
+            <a:schemeClr val="dk1"/>
           </a:effectRef>
           <a:fontRef idx="minor">
             <a:schemeClr val="tx1"/>
@@ -7916,6 +7919,239 @@
             <a:r>
               <a:rPr lang="en-US" altLang="ko-KR" dirty="0"/>
               <a:t>1:N</a:t>
+            </a:r>
+            <a:endParaRPr lang="ko-KR" altLang="en-US" dirty="0"/>
+          </a:p>
+        </p:txBody>
+      </p:sp>
+      <p:sp>
+        <p:nvSpPr>
+          <p:cNvPr id="3" name="TextBox 2">
+            <a:extLst>
+              <a:ext uri="{FF2B5EF4-FFF2-40B4-BE49-F238E27FC236}">
+                <a16:creationId xmlns:a16="http://schemas.microsoft.com/office/drawing/2014/main" id="{3C91F2E7-E6DD-B154-95FA-CCECC420EFA9}"/>
+              </a:ext>
+            </a:extLst>
+          </p:cNvPr>
+          <p:cNvSpPr txBox="1"/>
+          <p:nvPr/>
+        </p:nvSpPr>
+        <p:spPr>
+          <a:xfrm>
+            <a:off x="6383867" y="5494867"/>
+            <a:ext cx="3339760" cy="1477328"/>
+          </a:xfrm>
+          <a:prstGeom prst="rect">
+            <a:avLst/>
+          </a:prstGeom>
+          <a:noFill/>
+        </p:spPr>
+        <p:txBody>
+          <a:bodyPr wrap="none" rtlCol="0">
+            <a:spAutoFit/>
+          </a:bodyPr>
+          <a:lstStyle/>
+          <a:p>
+            <a:r>
+              <a:rPr lang="en-US" altLang="ko-KR" dirty="0" err="1"/>
+              <a:t>Point_Hist</a:t>
+            </a:r>
+            <a:endParaRPr lang="en-US" altLang="ko-KR" dirty="0"/>
+          </a:p>
+          <a:p>
+            <a:r>
+              <a:rPr lang="en-US" altLang="ko-KR" dirty="0" err="1"/>
+              <a:t>Point_Id</a:t>
+            </a:r>
+            <a:endParaRPr lang="en-US" altLang="ko-KR" dirty="0"/>
+          </a:p>
+          <a:p>
+            <a:r>
+              <a:rPr lang="en-US" altLang="ko-KR" dirty="0" err="1"/>
+              <a:t>User_Id</a:t>
+            </a:r>
+            <a:endParaRPr lang="en-US" altLang="ko-KR" dirty="0"/>
+          </a:p>
+          <a:p>
+            <a:r>
+              <a:rPr lang="en-US" altLang="ko-KR" dirty="0" err="1"/>
+              <a:t>PointName</a:t>
+            </a:r>
+            <a:r>
+              <a:rPr lang="en-US" altLang="ko-KR" dirty="0"/>
+              <a:t> (</a:t>
+            </a:r>
+            <a:r>
+              <a:rPr lang="ko-KR" altLang="en-US" dirty="0"/>
+              <a:t>포인트 지급 사유</a:t>
+            </a:r>
+            <a:r>
+              <a:rPr lang="en-US" altLang="ko-KR" dirty="0"/>
+              <a:t>)</a:t>
+            </a:r>
+          </a:p>
+          <a:p>
+            <a:r>
+              <a:rPr lang="en-US" altLang="ko-KR" dirty="0"/>
+              <a:t>Point (</a:t>
+            </a:r>
+            <a:r>
+              <a:rPr lang="ko-KR" altLang="en-US" dirty="0"/>
+              <a:t>부여된 포인트</a:t>
+            </a:r>
+            <a:r>
+              <a:rPr lang="en-US" altLang="ko-KR" dirty="0"/>
+              <a:t>)</a:t>
+            </a:r>
+            <a:endParaRPr lang="ko-KR" altLang="en-US" dirty="0"/>
+          </a:p>
+        </p:txBody>
+      </p:sp>
+      <p:cxnSp>
+        <p:nvCxnSpPr>
+          <p:cNvPr id="21" name="직선 연결선 20">
+            <a:extLst>
+              <a:ext uri="{FF2B5EF4-FFF2-40B4-BE49-F238E27FC236}">
+                <a16:creationId xmlns:a16="http://schemas.microsoft.com/office/drawing/2014/main" id="{2336C724-8C5D-6905-FA62-206DF849EB2A}"/>
+              </a:ext>
+            </a:extLst>
+          </p:cNvPr>
+          <p:cNvCxnSpPr>
+            <a:stCxn id="2" idx="2"/>
+            <a:endCxn id="3" idx="1"/>
+          </p:cNvCxnSpPr>
+          <p:nvPr/>
+        </p:nvCxnSpPr>
+        <p:spPr>
+          <a:xfrm>
+            <a:off x="4232520" y="5681621"/>
+            <a:ext cx="2151347" cy="551910"/>
+          </a:xfrm>
+          <a:prstGeom prst="line">
+            <a:avLst/>
+          </a:prstGeom>
+        </p:spPr>
+        <p:style>
+          <a:lnRef idx="1">
+            <a:schemeClr val="dk1"/>
+          </a:lnRef>
+          <a:fillRef idx="0">
+            <a:schemeClr val="dk1"/>
+          </a:fillRef>
+          <a:effectRef idx="0">
+            <a:schemeClr val="dk1"/>
+          </a:effectRef>
+          <a:fontRef idx="minor">
+            <a:schemeClr val="tx1"/>
+          </a:fontRef>
+        </p:style>
+      </p:cxnSp>
+      <p:sp>
+        <p:nvSpPr>
+          <p:cNvPr id="22" name="TextBox 21">
+            <a:extLst>
+              <a:ext uri="{FF2B5EF4-FFF2-40B4-BE49-F238E27FC236}">
+                <a16:creationId xmlns:a16="http://schemas.microsoft.com/office/drawing/2014/main" id="{8BA3E0CA-135E-1CF0-C78B-5954CED7B762}"/>
+              </a:ext>
+            </a:extLst>
+          </p:cNvPr>
+          <p:cNvSpPr txBox="1"/>
+          <p:nvPr/>
+        </p:nvSpPr>
+        <p:spPr>
+          <a:xfrm>
+            <a:off x="5091724" y="5933340"/>
+            <a:ext cx="849923" cy="369332"/>
+          </a:xfrm>
+          <a:prstGeom prst="rect">
+            <a:avLst/>
+          </a:prstGeom>
+          <a:noFill/>
+        </p:spPr>
+        <p:txBody>
+          <a:bodyPr wrap="square" rtlCol="0">
+            <a:spAutoFit/>
+          </a:bodyPr>
+          <a:lstStyle/>
+          <a:p>
+            <a:r>
+              <a:rPr lang="en-US" altLang="ko-KR" dirty="0"/>
+              <a:t>1:N</a:t>
+            </a:r>
+            <a:endParaRPr lang="ko-KR" altLang="en-US" dirty="0"/>
+          </a:p>
+        </p:txBody>
+      </p:sp>
+      <p:cxnSp>
+        <p:nvCxnSpPr>
+          <p:cNvPr id="24" name="직선 연결선 23">
+            <a:extLst>
+              <a:ext uri="{FF2B5EF4-FFF2-40B4-BE49-F238E27FC236}">
+                <a16:creationId xmlns:a16="http://schemas.microsoft.com/office/drawing/2014/main" id="{9D969948-E550-4B4B-4AAE-1A145688FFED}"/>
+              </a:ext>
+            </a:extLst>
+          </p:cNvPr>
+          <p:cNvCxnSpPr>
+            <a:stCxn id="16" idx="3"/>
+            <a:endCxn id="2" idx="1"/>
+          </p:cNvCxnSpPr>
+          <p:nvPr/>
+        </p:nvCxnSpPr>
+        <p:spPr>
+          <a:xfrm>
+            <a:off x="2243294" y="4204294"/>
+            <a:ext cx="705060" cy="600164"/>
+          </a:xfrm>
+          <a:prstGeom prst="line">
+            <a:avLst/>
+          </a:prstGeom>
+        </p:spPr>
+        <p:style>
+          <a:lnRef idx="1">
+            <a:schemeClr val="dk1"/>
+          </a:lnRef>
+          <a:fillRef idx="0">
+            <a:schemeClr val="dk1"/>
+          </a:fillRef>
+          <a:effectRef idx="0">
+            <a:schemeClr val="dk1"/>
+          </a:effectRef>
+          <a:fontRef idx="minor">
+            <a:schemeClr val="tx1"/>
+          </a:fontRef>
+        </p:style>
+      </p:cxnSp>
+      <p:sp>
+        <p:nvSpPr>
+          <p:cNvPr id="25" name="TextBox 24">
+            <a:extLst>
+              <a:ext uri="{FF2B5EF4-FFF2-40B4-BE49-F238E27FC236}">
+                <a16:creationId xmlns:a16="http://schemas.microsoft.com/office/drawing/2014/main" id="{2E8AC9B0-4342-E39E-B40D-D77CD2AE50B6}"/>
+              </a:ext>
+            </a:extLst>
+          </p:cNvPr>
+          <p:cNvSpPr txBox="1"/>
+          <p:nvPr/>
+        </p:nvSpPr>
+        <p:spPr>
+          <a:xfrm>
+            <a:off x="2123527" y="4230344"/>
+            <a:ext cx="849923" cy="369332"/>
+          </a:xfrm>
+          <a:prstGeom prst="rect">
+            <a:avLst/>
+          </a:prstGeom>
+          <a:noFill/>
+        </p:spPr>
+        <p:txBody>
+          <a:bodyPr wrap="square" rtlCol="0">
+            <a:spAutoFit/>
+          </a:bodyPr>
+          <a:lstStyle/>
+          <a:p>
+            <a:r>
+              <a:rPr lang="en-US" altLang="ko-KR" dirty="0"/>
+              <a:t>N:1</a:t>
             </a:r>
             <a:endParaRPr lang="ko-KR" altLang="en-US" dirty="0"/>
           </a:p>

--- a/카페를 방랑하는 카공족을 위한 안내서.pptx
+++ b/카페를 방랑하는 카공족을 위한 안내서.pptx
@@ -11,9 +11,10 @@
     <p:sldId id="257" r:id="rId5"/>
     <p:sldId id="260" r:id="rId6"/>
     <p:sldId id="263" r:id="rId7"/>
-    <p:sldId id="261" r:id="rId8"/>
-    <p:sldId id="262" r:id="rId9"/>
-    <p:sldId id="264" r:id="rId10"/>
+    <p:sldId id="265" r:id="rId8"/>
+    <p:sldId id="261" r:id="rId9"/>
+    <p:sldId id="262" r:id="rId10"/>
+    <p:sldId id="264" r:id="rId11"/>
   </p:sldIdLst>
   <p:sldSz cx="12192000" cy="6858000"/>
   <p:notesSz cx="6858000" cy="9144000"/>
@@ -267,7 +268,7 @@
           <a:p>
             <a:fld id="{39F3BBBB-9D68-4BC1-A7E3-76885AE8F234}" type="datetimeFigureOut">
               <a:rPr lang="ko-KR" altLang="en-US" smtClean="0"/>
-              <a:t>2023-04-29</a:t>
+              <a:t>2023-05-06</a:t>
             </a:fld>
             <a:endParaRPr lang="ko-KR" altLang="en-US"/>
           </a:p>
@@ -465,7 +466,7 @@
           <a:p>
             <a:fld id="{39F3BBBB-9D68-4BC1-A7E3-76885AE8F234}" type="datetimeFigureOut">
               <a:rPr lang="ko-KR" altLang="en-US" smtClean="0"/>
-              <a:t>2023-04-29</a:t>
+              <a:t>2023-05-06</a:t>
             </a:fld>
             <a:endParaRPr lang="ko-KR" altLang="en-US"/>
           </a:p>
@@ -673,7 +674,7 @@
           <a:p>
             <a:fld id="{39F3BBBB-9D68-4BC1-A7E3-76885AE8F234}" type="datetimeFigureOut">
               <a:rPr lang="ko-KR" altLang="en-US" smtClean="0"/>
-              <a:t>2023-04-29</a:t>
+              <a:t>2023-05-06</a:t>
             </a:fld>
             <a:endParaRPr lang="ko-KR" altLang="en-US"/>
           </a:p>
@@ -871,7 +872,7 @@
           <a:p>
             <a:fld id="{39F3BBBB-9D68-4BC1-A7E3-76885AE8F234}" type="datetimeFigureOut">
               <a:rPr lang="ko-KR" altLang="en-US" smtClean="0"/>
-              <a:t>2023-04-29</a:t>
+              <a:t>2023-05-06</a:t>
             </a:fld>
             <a:endParaRPr lang="ko-KR" altLang="en-US"/>
           </a:p>
@@ -1146,7 +1147,7 @@
           <a:p>
             <a:fld id="{39F3BBBB-9D68-4BC1-A7E3-76885AE8F234}" type="datetimeFigureOut">
               <a:rPr lang="ko-KR" altLang="en-US" smtClean="0"/>
-              <a:t>2023-04-29</a:t>
+              <a:t>2023-05-06</a:t>
             </a:fld>
             <a:endParaRPr lang="ko-KR" altLang="en-US"/>
           </a:p>
@@ -1411,7 +1412,7 @@
           <a:p>
             <a:fld id="{39F3BBBB-9D68-4BC1-A7E3-76885AE8F234}" type="datetimeFigureOut">
               <a:rPr lang="ko-KR" altLang="en-US" smtClean="0"/>
-              <a:t>2023-04-29</a:t>
+              <a:t>2023-05-06</a:t>
             </a:fld>
             <a:endParaRPr lang="ko-KR" altLang="en-US"/>
           </a:p>
@@ -1823,7 +1824,7 @@
           <a:p>
             <a:fld id="{39F3BBBB-9D68-4BC1-A7E3-76885AE8F234}" type="datetimeFigureOut">
               <a:rPr lang="ko-KR" altLang="en-US" smtClean="0"/>
-              <a:t>2023-04-29</a:t>
+              <a:t>2023-05-06</a:t>
             </a:fld>
             <a:endParaRPr lang="ko-KR" altLang="en-US"/>
           </a:p>
@@ -1964,7 +1965,7 @@
           <a:p>
             <a:fld id="{39F3BBBB-9D68-4BC1-A7E3-76885AE8F234}" type="datetimeFigureOut">
               <a:rPr lang="ko-KR" altLang="en-US" smtClean="0"/>
-              <a:t>2023-04-29</a:t>
+              <a:t>2023-05-06</a:t>
             </a:fld>
             <a:endParaRPr lang="ko-KR" altLang="en-US"/>
           </a:p>
@@ -2077,7 +2078,7 @@
           <a:p>
             <a:fld id="{39F3BBBB-9D68-4BC1-A7E3-76885AE8F234}" type="datetimeFigureOut">
               <a:rPr lang="ko-KR" altLang="en-US" smtClean="0"/>
-              <a:t>2023-04-29</a:t>
+              <a:t>2023-05-06</a:t>
             </a:fld>
             <a:endParaRPr lang="ko-KR" altLang="en-US"/>
           </a:p>
@@ -2388,7 +2389,7 @@
           <a:p>
             <a:fld id="{39F3BBBB-9D68-4BC1-A7E3-76885AE8F234}" type="datetimeFigureOut">
               <a:rPr lang="ko-KR" altLang="en-US" smtClean="0"/>
-              <a:t>2023-04-29</a:t>
+              <a:t>2023-05-06</a:t>
             </a:fld>
             <a:endParaRPr lang="ko-KR" altLang="en-US"/>
           </a:p>
@@ -2676,7 +2677,7 @@
           <a:p>
             <a:fld id="{39F3BBBB-9D68-4BC1-A7E3-76885AE8F234}" type="datetimeFigureOut">
               <a:rPr lang="ko-KR" altLang="en-US" smtClean="0"/>
-              <a:t>2023-04-29</a:t>
+              <a:t>2023-05-06</a:t>
             </a:fld>
             <a:endParaRPr lang="ko-KR" altLang="en-US"/>
           </a:p>
@@ -2917,7 +2918,7 @@
           <a:p>
             <a:fld id="{39F3BBBB-9D68-4BC1-A7E3-76885AE8F234}" type="datetimeFigureOut">
               <a:rPr lang="ko-KR" altLang="en-US" smtClean="0"/>
-              <a:t>2023-04-29</a:t>
+              <a:t>2023-05-06</a:t>
             </a:fld>
             <a:endParaRPr lang="ko-KR" altLang="en-US"/>
           </a:p>
@@ -3837,6 +3838,71 @@
 </p:sld>
 </file>
 
+<file path=ppt/slides/slide10.xml><?xml version="1.0" encoding="utf-8"?>
+<p:sld xmlns:a="http://schemas.openxmlformats.org/drawingml/2006/main" xmlns:r="http://schemas.openxmlformats.org/officeDocument/2006/relationships" xmlns:p="http://schemas.openxmlformats.org/presentationml/2006/main">
+  <p:cSld>
+    <p:spTree>
+      <p:nvGrpSpPr>
+        <p:cNvPr id="1" name=""/>
+        <p:cNvGrpSpPr/>
+        <p:nvPr/>
+      </p:nvGrpSpPr>
+      <p:grpSpPr>
+        <a:xfrm>
+          <a:off x="0" y="0"/>
+          <a:ext cx="0" cy="0"/>
+          <a:chOff x="0" y="0"/>
+          <a:chExt cx="0" cy="0"/>
+        </a:xfrm>
+      </p:grpSpPr>
+      <p:sp>
+        <p:nvSpPr>
+          <p:cNvPr id="4" name="TextBox 3">
+            <a:extLst>
+              <a:ext uri="{FF2B5EF4-FFF2-40B4-BE49-F238E27FC236}">
+                <a16:creationId xmlns:a16="http://schemas.microsoft.com/office/drawing/2014/main" id="{3F15AB51-2505-2ACB-6D65-5643B9E7F052}"/>
+              </a:ext>
+            </a:extLst>
+          </p:cNvPr>
+          <p:cNvSpPr txBox="1"/>
+          <p:nvPr/>
+        </p:nvSpPr>
+        <p:spPr>
+          <a:xfrm>
+            <a:off x="872455" y="738231"/>
+            <a:ext cx="1420582" cy="369332"/>
+          </a:xfrm>
+          <a:prstGeom prst="rect">
+            <a:avLst/>
+          </a:prstGeom>
+          <a:noFill/>
+        </p:spPr>
+        <p:txBody>
+          <a:bodyPr wrap="none" rtlCol="0">
+            <a:spAutoFit/>
+          </a:bodyPr>
+          <a:lstStyle/>
+          <a:p>
+            <a:r>
+              <a:rPr lang="ko-KR" altLang="en-US" dirty="0"/>
+              <a:t>관리자 화면</a:t>
+            </a:r>
+          </a:p>
+        </p:txBody>
+      </p:sp>
+    </p:spTree>
+    <p:extLst>
+      <p:ext uri="{BB962C8B-B14F-4D97-AF65-F5344CB8AC3E}">
+        <p14:creationId xmlns:p14="http://schemas.microsoft.com/office/powerpoint/2010/main" val="1017364719"/>
+      </p:ext>
+    </p:extLst>
+  </p:cSld>
+  <p:clrMapOvr>
+    <a:masterClrMapping/>
+  </p:clrMapOvr>
+</p:sld>
+</file>
+
 <file path=ppt/slides/slide2.xml><?xml version="1.0" encoding="utf-8"?>
 <p:sld xmlns:a="http://schemas.openxmlformats.org/drawingml/2006/main" xmlns:r="http://schemas.openxmlformats.org/officeDocument/2006/relationships" xmlns:p="http://schemas.openxmlformats.org/presentationml/2006/main">
   <p:cSld>
@@ -8444,6 +8510,392 @@
           <p:cNvPr id="4" name="TextBox 3">
             <a:extLst>
               <a:ext uri="{FF2B5EF4-FFF2-40B4-BE49-F238E27FC236}">
+                <a16:creationId xmlns:a16="http://schemas.microsoft.com/office/drawing/2014/main" id="{5F7B82AF-7607-C138-871A-0E038FD71517}"/>
+              </a:ext>
+            </a:extLst>
+          </p:cNvPr>
+          <p:cNvSpPr txBox="1"/>
+          <p:nvPr/>
+        </p:nvSpPr>
+        <p:spPr>
+          <a:xfrm>
+            <a:off x="1629508" y="1395046"/>
+            <a:ext cx="9262344" cy="1200329"/>
+          </a:xfrm>
+          <a:prstGeom prst="rect">
+            <a:avLst/>
+          </a:prstGeom>
+          <a:noFill/>
+        </p:spPr>
+        <p:txBody>
+          <a:bodyPr wrap="none" rtlCol="0">
+            <a:spAutoFit/>
+          </a:bodyPr>
+          <a:lstStyle/>
+          <a:p>
+            <a:r>
+              <a:rPr lang="en-US" altLang="ko-KR" dirty="0" err="1"/>
+              <a:t>cafeId</a:t>
+            </a:r>
+            <a:endParaRPr lang="en-US" altLang="ko-KR" dirty="0"/>
+          </a:p>
+          <a:p>
+            <a:r>
+              <a:rPr lang="en-US" altLang="ko-KR" dirty="0" err="1"/>
+              <a:t>reviewId</a:t>
+            </a:r>
+            <a:endParaRPr lang="en-US" altLang="ko-KR" dirty="0"/>
+          </a:p>
+          <a:p>
+            <a:r>
+              <a:rPr lang="en-US" altLang="ko-KR" dirty="0"/>
+              <a:t>Property(</a:t>
+            </a:r>
+            <a:r>
+              <a:rPr lang="ko-KR" altLang="en-US" dirty="0"/>
+              <a:t>속성</a:t>
+            </a:r>
+            <a:r>
+              <a:rPr lang="en-US" altLang="ko-KR" dirty="0"/>
+              <a:t>: </a:t>
+            </a:r>
+            <a:r>
+              <a:rPr lang="ko-KR" altLang="en-US" dirty="0"/>
+              <a:t>크기</a:t>
+            </a:r>
+            <a:r>
+              <a:rPr lang="en-US" altLang="ko-KR" dirty="0"/>
+              <a:t>,</a:t>
+            </a:r>
+            <a:r>
+              <a:rPr lang="ko-KR" altLang="en-US" dirty="0"/>
+              <a:t>층수</a:t>
+            </a:r>
+            <a:r>
+              <a:rPr lang="en-US" altLang="ko-KR" dirty="0"/>
+              <a:t>,</a:t>
+            </a:r>
+            <a:r>
+              <a:rPr lang="ko-KR" altLang="en-US" dirty="0"/>
+              <a:t>콘센트점수</a:t>
+            </a:r>
+            <a:r>
+              <a:rPr lang="en-US" altLang="ko-KR" dirty="0"/>
+              <a:t>,</a:t>
+            </a:r>
+            <a:r>
+              <a:rPr lang="ko-KR" altLang="en-US" dirty="0" err="1"/>
+              <a:t>와이파이점수</a:t>
+            </a:r>
+            <a:r>
+              <a:rPr lang="en-US" altLang="ko-KR" dirty="0"/>
+              <a:t>,</a:t>
+            </a:r>
+            <a:r>
+              <a:rPr lang="ko-KR" altLang="en-US" dirty="0"/>
+              <a:t>좌석점수</a:t>
+            </a:r>
+            <a:r>
+              <a:rPr lang="en-US" altLang="ko-KR" dirty="0"/>
+              <a:t>) </a:t>
+            </a:r>
+            <a:r>
+              <a:rPr lang="ko-KR" altLang="en-US" dirty="0"/>
+              <a:t>카페별로 </a:t>
+            </a:r>
+            <a:r>
+              <a:rPr lang="en-US" altLang="ko-KR" dirty="0"/>
+              <a:t>20ROW</a:t>
+            </a:r>
+            <a:r>
+              <a:rPr lang="ko-KR" altLang="en-US" dirty="0"/>
+              <a:t>씩 생성</a:t>
+            </a:r>
+            <a:r>
+              <a:rPr lang="en-US" altLang="ko-KR" dirty="0"/>
+              <a:t>..?</a:t>
+            </a:r>
+          </a:p>
+          <a:p>
+            <a:endParaRPr lang="ko-KR" altLang="en-US" dirty="0"/>
+          </a:p>
+        </p:txBody>
+      </p:sp>
+      <p:sp>
+        <p:nvSpPr>
+          <p:cNvPr id="5" name="TextBox 4">
+            <a:extLst>
+              <a:ext uri="{FF2B5EF4-FFF2-40B4-BE49-F238E27FC236}">
+                <a16:creationId xmlns:a16="http://schemas.microsoft.com/office/drawing/2014/main" id="{68CF51DC-EFEA-5E14-92B4-B2C2C75786E8}"/>
+              </a:ext>
+            </a:extLst>
+          </p:cNvPr>
+          <p:cNvSpPr txBox="1"/>
+          <p:nvPr/>
+        </p:nvSpPr>
+        <p:spPr>
+          <a:xfrm>
+            <a:off x="2819400" y="427892"/>
+            <a:ext cx="5993885" cy="369332"/>
+          </a:xfrm>
+          <a:prstGeom prst="rect">
+            <a:avLst/>
+          </a:prstGeom>
+          <a:noFill/>
+        </p:spPr>
+        <p:txBody>
+          <a:bodyPr wrap="none" rtlCol="0">
+            <a:spAutoFit/>
+          </a:bodyPr>
+          <a:lstStyle/>
+          <a:p>
+            <a:r>
+              <a:rPr lang="ko-KR" altLang="en-US" dirty="0"/>
+              <a:t>리뷰</a:t>
+            </a:r>
+            <a:r>
+              <a:rPr lang="en-US" altLang="ko-KR" dirty="0"/>
+              <a:t>TB</a:t>
+            </a:r>
+            <a:r>
+              <a:rPr lang="ko-KR" altLang="en-US" dirty="0"/>
+              <a:t>에서 </a:t>
+            </a:r>
+            <a:r>
+              <a:rPr lang="en-US" altLang="ko-KR" dirty="0" err="1"/>
+              <a:t>cafeId</a:t>
+            </a:r>
+            <a:r>
+              <a:rPr lang="ko-KR" altLang="en-US" dirty="0"/>
+              <a:t>로 </a:t>
+            </a:r>
+            <a:r>
+              <a:rPr lang="ko-KR" altLang="en-US" dirty="0" err="1"/>
+              <a:t>검색후</a:t>
+            </a:r>
+            <a:r>
+              <a:rPr lang="ko-KR" altLang="en-US" dirty="0"/>
+              <a:t> 각 속성별로 </a:t>
+            </a:r>
+            <a:r>
+              <a:rPr lang="en-US" altLang="ko-KR" dirty="0"/>
+              <a:t>group by desc</a:t>
+            </a:r>
+            <a:endParaRPr lang="ko-KR" altLang="en-US" dirty="0"/>
+          </a:p>
+        </p:txBody>
+      </p:sp>
+      <p:sp>
+        <p:nvSpPr>
+          <p:cNvPr id="6" name="TextBox 5">
+            <a:extLst>
+              <a:ext uri="{FF2B5EF4-FFF2-40B4-BE49-F238E27FC236}">
+                <a16:creationId xmlns:a16="http://schemas.microsoft.com/office/drawing/2014/main" id="{E21DB84C-74B5-9F6E-838F-51BA8B28EFC9}"/>
+              </a:ext>
+            </a:extLst>
+          </p:cNvPr>
+          <p:cNvSpPr txBox="1"/>
+          <p:nvPr/>
+        </p:nvSpPr>
+        <p:spPr>
+          <a:xfrm>
+            <a:off x="2209800" y="2977662"/>
+            <a:ext cx="3780715" cy="646331"/>
+          </a:xfrm>
+          <a:prstGeom prst="rect">
+            <a:avLst/>
+          </a:prstGeom>
+          <a:noFill/>
+        </p:spPr>
+        <p:txBody>
+          <a:bodyPr wrap="none" rtlCol="0">
+            <a:spAutoFit/>
+          </a:bodyPr>
+          <a:lstStyle/>
+          <a:p>
+            <a:r>
+              <a:rPr lang="en-US" altLang="ko-KR" dirty="0" err="1"/>
+              <a:t>cafeTB</a:t>
+            </a:r>
+            <a:endParaRPr lang="en-US" altLang="ko-KR" dirty="0"/>
+          </a:p>
+          <a:p>
+            <a:r>
+              <a:rPr lang="ko-KR" altLang="en-US" dirty="0"/>
+              <a:t>리뷰 </a:t>
+            </a:r>
+            <a:r>
+              <a:rPr lang="en-US" altLang="ko-KR" dirty="0"/>
+              <a:t>insert</a:t>
+            </a:r>
+            <a:r>
+              <a:rPr lang="ko-KR" altLang="en-US" dirty="0"/>
+              <a:t>시에 </a:t>
+            </a:r>
+            <a:r>
+              <a:rPr lang="en-US" altLang="ko-KR" dirty="0" err="1"/>
+              <a:t>cafeTB</a:t>
+            </a:r>
+            <a:r>
+              <a:rPr lang="en-US" altLang="ko-KR" dirty="0"/>
+              <a:t> update(+1)</a:t>
+            </a:r>
+            <a:endParaRPr lang="ko-KR" altLang="en-US" dirty="0"/>
+          </a:p>
+        </p:txBody>
+      </p:sp>
+      <p:sp>
+        <p:nvSpPr>
+          <p:cNvPr id="7" name="TextBox 6">
+            <a:extLst>
+              <a:ext uri="{FF2B5EF4-FFF2-40B4-BE49-F238E27FC236}">
+                <a16:creationId xmlns:a16="http://schemas.microsoft.com/office/drawing/2014/main" id="{196EBADC-BECE-C7CA-26AA-C944684F48A4}"/>
+              </a:ext>
+            </a:extLst>
+          </p:cNvPr>
+          <p:cNvSpPr txBox="1"/>
+          <p:nvPr/>
+        </p:nvSpPr>
+        <p:spPr>
+          <a:xfrm>
+            <a:off x="674076" y="5093622"/>
+            <a:ext cx="7003840" cy="369332"/>
+          </a:xfrm>
+          <a:prstGeom prst="rect">
+            <a:avLst/>
+          </a:prstGeom>
+          <a:noFill/>
+        </p:spPr>
+        <p:txBody>
+          <a:bodyPr wrap="none" rtlCol="0">
+            <a:spAutoFit/>
+          </a:bodyPr>
+          <a:lstStyle/>
+          <a:p>
+            <a:r>
+              <a:rPr lang="ko-KR" altLang="en-US" dirty="0"/>
+              <a:t>전체 항목을 </a:t>
+            </a:r>
+            <a:r>
+              <a:rPr lang="ko-KR" altLang="en-US" dirty="0" err="1"/>
+              <a:t>보는게</a:t>
+            </a:r>
+            <a:r>
+              <a:rPr lang="ko-KR" altLang="en-US" dirty="0"/>
+              <a:t> 쓸데없이 복잡해 보이기만 할 수 있을 것 같다</a:t>
+            </a:r>
+          </a:p>
+        </p:txBody>
+      </p:sp>
+      <p:sp>
+        <p:nvSpPr>
+          <p:cNvPr id="8" name="TextBox 7">
+            <a:extLst>
+              <a:ext uri="{FF2B5EF4-FFF2-40B4-BE49-F238E27FC236}">
+                <a16:creationId xmlns:a16="http://schemas.microsoft.com/office/drawing/2014/main" id="{DF4E3F47-E002-89D8-6FF4-E465C6EEB19E}"/>
+              </a:ext>
+            </a:extLst>
+          </p:cNvPr>
+          <p:cNvSpPr txBox="1"/>
+          <p:nvPr/>
+        </p:nvSpPr>
+        <p:spPr>
+          <a:xfrm>
+            <a:off x="6617677" y="2972305"/>
+            <a:ext cx="5351145" cy="646331"/>
+          </a:xfrm>
+          <a:prstGeom prst="rect">
+            <a:avLst/>
+          </a:prstGeom>
+          <a:noFill/>
+        </p:spPr>
+        <p:txBody>
+          <a:bodyPr wrap="none" rtlCol="0">
+            <a:spAutoFit/>
+          </a:bodyPr>
+          <a:lstStyle/>
+          <a:p>
+            <a:r>
+              <a:rPr lang="en-US" altLang="ko-KR" dirty="0"/>
+              <a:t>1.Café</a:t>
+            </a:r>
+            <a:r>
+              <a:rPr lang="ko-KR" altLang="en-US" dirty="0"/>
+              <a:t>테이블에 컬럼 </a:t>
+            </a:r>
+            <a:r>
+              <a:rPr lang="en-US" altLang="ko-KR" dirty="0"/>
+              <a:t>20</a:t>
+            </a:r>
+            <a:r>
+              <a:rPr lang="ko-KR" altLang="en-US" dirty="0"/>
+              <a:t>개 추가</a:t>
+            </a:r>
+            <a:endParaRPr lang="en-US" altLang="ko-KR" dirty="0"/>
+          </a:p>
+          <a:p>
+            <a:r>
+              <a:rPr lang="en-US" altLang="ko-KR" dirty="0"/>
+              <a:t>2.</a:t>
+            </a:r>
+            <a:r>
+              <a:rPr lang="ko-KR" altLang="en-US" dirty="0"/>
+              <a:t>속성만 저장하는 </a:t>
+            </a:r>
+            <a:r>
+              <a:rPr lang="en-US" altLang="ko-KR" dirty="0"/>
+              <a:t>TB</a:t>
+            </a:r>
+            <a:r>
+              <a:rPr lang="ko-KR" altLang="en-US" dirty="0"/>
+              <a:t>추가해서 </a:t>
+            </a:r>
+            <a:r>
+              <a:rPr lang="en-US" altLang="ko-KR" dirty="0" err="1"/>
+              <a:t>cafeId</a:t>
+            </a:r>
+            <a:r>
+              <a:rPr lang="ko-KR" altLang="en-US" dirty="0"/>
+              <a:t>로 검색해서 </a:t>
+            </a:r>
+          </a:p>
+        </p:txBody>
+      </p:sp>
+    </p:spTree>
+    <p:extLst>
+      <p:ext uri="{BB962C8B-B14F-4D97-AF65-F5344CB8AC3E}">
+        <p14:creationId xmlns:p14="http://schemas.microsoft.com/office/powerpoint/2010/main" val="1442956375"/>
+      </p:ext>
+    </p:extLst>
+  </p:cSld>
+  <p:clrMapOvr>
+    <a:masterClrMapping/>
+  </p:clrMapOvr>
+</p:sld>
+</file>
+
+<file path=ppt/slides/slide8.xml><?xml version="1.0" encoding="utf-8"?>
+<p:sld xmlns:a="http://schemas.openxmlformats.org/drawingml/2006/main" xmlns:r="http://schemas.openxmlformats.org/officeDocument/2006/relationships" xmlns:p="http://schemas.openxmlformats.org/presentationml/2006/main">
+  <p:cSld>
+    <p:spTree>
+      <p:nvGrpSpPr>
+        <p:cNvPr id="1" name=""/>
+        <p:cNvGrpSpPr/>
+        <p:nvPr/>
+      </p:nvGrpSpPr>
+      <p:grpSpPr>
+        <a:xfrm>
+          <a:off x="0" y="0"/>
+          <a:ext cx="0" cy="0"/>
+          <a:chOff x="0" y="0"/>
+          <a:chExt cx="0" cy="0"/>
+        </a:xfrm>
+      </p:grpSpPr>
+      <p:sp>
+        <p:nvSpPr>
+          <p:cNvPr id="4" name="TextBox 3">
+            <a:extLst>
+              <a:ext uri="{FF2B5EF4-FFF2-40B4-BE49-F238E27FC236}">
                 <a16:creationId xmlns:a16="http://schemas.microsoft.com/office/drawing/2014/main" id="{ED0D2113-065F-1E2A-B3D8-CE736D67220E}"/>
               </a:ext>
             </a:extLst>
@@ -8879,7 +9331,7 @@
 </p:sld>
 </file>
 
-<file path=ppt/slides/slide8.xml><?xml version="1.0" encoding="utf-8"?>
+<file path=ppt/slides/slide9.xml><?xml version="1.0" encoding="utf-8"?>
 <p:sld xmlns:a="http://schemas.openxmlformats.org/drawingml/2006/main" xmlns:r="http://schemas.openxmlformats.org/officeDocument/2006/relationships" xmlns:p="http://schemas.openxmlformats.org/presentationml/2006/main">
   <p:cSld>
     <p:spTree>
@@ -9533,71 +9985,6 @@
     <p:extLst>
       <p:ext uri="{BB962C8B-B14F-4D97-AF65-F5344CB8AC3E}">
         <p14:creationId xmlns:p14="http://schemas.microsoft.com/office/powerpoint/2010/main" val="3524573737"/>
-      </p:ext>
-    </p:extLst>
-  </p:cSld>
-  <p:clrMapOvr>
-    <a:masterClrMapping/>
-  </p:clrMapOvr>
-</p:sld>
-</file>
-
-<file path=ppt/slides/slide9.xml><?xml version="1.0" encoding="utf-8"?>
-<p:sld xmlns:a="http://schemas.openxmlformats.org/drawingml/2006/main" xmlns:r="http://schemas.openxmlformats.org/officeDocument/2006/relationships" xmlns:p="http://schemas.openxmlformats.org/presentationml/2006/main">
-  <p:cSld>
-    <p:spTree>
-      <p:nvGrpSpPr>
-        <p:cNvPr id="1" name=""/>
-        <p:cNvGrpSpPr/>
-        <p:nvPr/>
-      </p:nvGrpSpPr>
-      <p:grpSpPr>
-        <a:xfrm>
-          <a:off x="0" y="0"/>
-          <a:ext cx="0" cy="0"/>
-          <a:chOff x="0" y="0"/>
-          <a:chExt cx="0" cy="0"/>
-        </a:xfrm>
-      </p:grpSpPr>
-      <p:sp>
-        <p:nvSpPr>
-          <p:cNvPr id="4" name="TextBox 3">
-            <a:extLst>
-              <a:ext uri="{FF2B5EF4-FFF2-40B4-BE49-F238E27FC236}">
-                <a16:creationId xmlns:a16="http://schemas.microsoft.com/office/drawing/2014/main" id="{3F15AB51-2505-2ACB-6D65-5643B9E7F052}"/>
-              </a:ext>
-            </a:extLst>
-          </p:cNvPr>
-          <p:cNvSpPr txBox="1"/>
-          <p:nvPr/>
-        </p:nvSpPr>
-        <p:spPr>
-          <a:xfrm>
-            <a:off x="872455" y="738231"/>
-            <a:ext cx="1420582" cy="369332"/>
-          </a:xfrm>
-          <a:prstGeom prst="rect">
-            <a:avLst/>
-          </a:prstGeom>
-          <a:noFill/>
-        </p:spPr>
-        <p:txBody>
-          <a:bodyPr wrap="none" rtlCol="0">
-            <a:spAutoFit/>
-          </a:bodyPr>
-          <a:lstStyle/>
-          <a:p>
-            <a:r>
-              <a:rPr lang="ko-KR" altLang="en-US" dirty="0"/>
-              <a:t>관리자 화면</a:t>
-            </a:r>
-          </a:p>
-        </p:txBody>
-      </p:sp>
-    </p:spTree>
-    <p:extLst>
-      <p:ext uri="{BB962C8B-B14F-4D97-AF65-F5344CB8AC3E}">
-        <p14:creationId xmlns:p14="http://schemas.microsoft.com/office/powerpoint/2010/main" val="1017364719"/>
       </p:ext>
     </p:extLst>
   </p:cSld>
